--- a/03_Algorithmique/ALGO1_PPT.pptx
+++ b/03_Algorithmique/ALGO1_PPT.pptx
@@ -198,7 +198,8 @@
           <a:p>
             <a:fld id="{A2604479-CBC5-3546-8A0D-DC7D3BA30544}" type="datetimeFigureOut">
               <a:rPr lang="fr-FR" smtClean="0"/>
-              <a:t>01/12/2014</a:t>
+              <a:pPr/>
+              <a:t>06/12/2014</a:t>
             </a:fld>
             <a:endParaRPr lang="fr-FR"/>
           </a:p>
@@ -264,6 +265,7 @@
           <a:p>
             <a:fld id="{F34030A3-A5D3-C641-8CA3-9440A0A1CBC5}" type="slidenum">
               <a:rPr lang="fr-FR" smtClean="0"/>
+              <a:pPr/>
               <a:t>‹N°›</a:t>
             </a:fld>
             <a:endParaRPr lang="fr-FR"/>
@@ -273,7 +275,7 @@
     </p:spTree>
     <p:extLst>
       <p:ext uri="{BB962C8B-B14F-4D97-AF65-F5344CB8AC3E}">
-        <p14:creationId xmlns:p14="http://schemas.microsoft.com/office/powerpoint/2010/main" val="3414476341"/>
+        <p14:creationId xmlns:p14="http://schemas.microsoft.com/office/powerpoint/2010/main" xmlns="" val="3414476341"/>
       </p:ext>
     </p:extLst>
   </p:cSld>
@@ -364,7 +366,8 @@
           <a:p>
             <a:fld id="{7F4FFA02-BD9A-5445-8E51-E6D5A4E1DD4B}" type="datetimeFigureOut">
               <a:rPr lang="fr-FR" smtClean="0"/>
-              <a:t>01/12/2014</a:t>
+              <a:pPr/>
+              <a:t>06/12/2014</a:t>
             </a:fld>
             <a:endParaRPr lang="fr-FR"/>
           </a:p>
@@ -523,6 +526,7 @@
           <a:p>
             <a:fld id="{D69D4C5C-07DB-4146-8BDE-61540ADB1C9B}" type="slidenum">
               <a:rPr lang="fr-FR" smtClean="0"/>
+              <a:pPr/>
               <a:t>‹N°›</a:t>
             </a:fld>
             <a:endParaRPr lang="fr-FR"/>
@@ -532,7 +536,7 @@
     </p:spTree>
     <p:extLst>
       <p:ext uri="{BB962C8B-B14F-4D97-AF65-F5344CB8AC3E}">
-        <p14:creationId xmlns:p14="http://schemas.microsoft.com/office/powerpoint/2010/main" val="401334093"/>
+        <p14:creationId xmlns:p14="http://schemas.microsoft.com/office/powerpoint/2010/main" xmlns="" val="401334093"/>
       </p:ext>
     </p:extLst>
   </p:cSld>
@@ -679,23 +683,7 @@
           <a:p>
             <a:r>
               <a:rPr lang="fr-FR" baseline="0" dirty="0" smtClean="0"/>
-              <a:t>L’objectif de cette formation et d’enseigner les bases </a:t>
-            </a:r>
-            <a:r>
-              <a:rPr lang="fr-FR" baseline="0" dirty="0" smtClean="0"/>
-              <a:t>de </a:t>
-            </a:r>
-            <a:r>
-              <a:rPr lang="fr-FR" baseline="0" smtClean="0"/>
-              <a:t>l’algorithmique </a:t>
-            </a:r>
-            <a:r>
-              <a:rPr lang="fr-FR" baseline="0" smtClean="0"/>
-              <a:t>aux enseignants </a:t>
-            </a:r>
-            <a:r>
-              <a:rPr lang="fr-FR" baseline="0" dirty="0" smtClean="0"/>
-              <a:t>des disciplines scientifiques (enseignant en particulier en ISN ou en CPGE).</a:t>
+              <a:t>L’objectif de cette formation et d’enseigner les bases de l’algorithmique aux enseignants des disciplines scientifiques (enseignant en particulier en ISN ou en CPGE).</a:t>
             </a:r>
           </a:p>
           <a:p>
@@ -737,6 +725,7 @@
           <a:p>
             <a:fld id="{D69D4C5C-07DB-4146-8BDE-61540ADB1C9B}" type="slidenum">
               <a:rPr lang="fr-FR" smtClean="0"/>
+              <a:pPr/>
               <a:t>1</a:t>
             </a:fld>
             <a:endParaRPr lang="fr-FR"/>
@@ -746,7 +735,7 @@
     </p:spTree>
     <p:extLst>
       <p:ext uri="{BB962C8B-B14F-4D97-AF65-F5344CB8AC3E}">
-        <p14:creationId xmlns:p14="http://schemas.microsoft.com/office/powerpoint/2010/main" val="2560094274"/>
+        <p14:creationId xmlns:p14="http://schemas.microsoft.com/office/powerpoint/2010/main" xmlns="" val="2560094274"/>
       </p:ext>
     </p:extLst>
   </p:cSld>
@@ -812,13 +801,53 @@
           <a:p>
             <a:r>
               <a:rPr lang="fr-FR" baseline="0" dirty="0" smtClean="0"/>
-              <a:t> * structures conditionnelles (If … alors, Sinon si … alors, Sinon)</a:t>
-            </a:r>
-          </a:p>
-          <a:p>
+              <a:t> * structures conditionnelles </a:t>
+            </a:r>
             <a:r>
               <a:rPr lang="fr-FR" baseline="0" dirty="0" smtClean="0"/>
-              <a:t> * les structures itératives (Boucles for …).</a:t>
+              <a:t>(if </a:t>
+            </a:r>
+            <a:r>
+              <a:rPr lang="fr-FR" baseline="0" dirty="0" smtClean="0"/>
+              <a:t>… alors, </a:t>
+            </a:r>
+            <a:r>
+              <a:rPr lang="fr-FR" baseline="0" dirty="0" smtClean="0"/>
+              <a:t>sinon </a:t>
+            </a:r>
+            <a:r>
+              <a:rPr lang="fr-FR" baseline="0" dirty="0" smtClean="0"/>
+              <a:t>si … alors, </a:t>
+            </a:r>
+            <a:r>
+              <a:rPr lang="fr-FR" baseline="0" dirty="0" smtClean="0"/>
+              <a:t>sinon</a:t>
+            </a:r>
+            <a:r>
+              <a:rPr lang="fr-FR" baseline="0" dirty="0" smtClean="0"/>
+              <a:t>)</a:t>
+            </a:r>
+          </a:p>
+          <a:p>
+            <a:r>
+              <a:rPr lang="fr-FR" baseline="0" dirty="0" smtClean="0"/>
+              <a:t> * les structures itératives </a:t>
+            </a:r>
+            <a:r>
+              <a:rPr lang="fr-FR" baseline="0" dirty="0" smtClean="0"/>
+              <a:t>(boucles for, </a:t>
+            </a:r>
+            <a:r>
+              <a:rPr lang="fr-FR" baseline="0" dirty="0" err="1" smtClean="0"/>
+              <a:t>while</a:t>
+            </a:r>
+            <a:r>
+              <a:rPr lang="fr-FR" baseline="0" dirty="0" smtClean="0"/>
+              <a:t> </a:t>
+            </a:r>
+            <a:r>
+              <a:rPr lang="fr-FR" baseline="0" dirty="0" smtClean="0"/>
+              <a:t>…).</a:t>
             </a:r>
           </a:p>
           <a:p>
@@ -842,8 +871,29 @@
           <a:p>
             <a:r>
               <a:rPr lang="fr-FR" baseline="0" dirty="0" smtClean="0"/>
-              <a:t>Tous les algorithmes développés au travers d’exemple portant sur des domaines variés des sciences. </a:t>
-            </a:r>
+              <a:t>Tous les algorithmes </a:t>
+            </a:r>
+            <a:r>
+              <a:rPr lang="fr-FR" baseline="0" dirty="0" smtClean="0"/>
+              <a:t>sont développés </a:t>
+            </a:r>
+            <a:r>
+              <a:rPr lang="fr-FR" baseline="0" dirty="0" smtClean="0"/>
+              <a:t>au travers </a:t>
+            </a:r>
+            <a:r>
+              <a:rPr lang="fr-FR" baseline="0" dirty="0" smtClean="0"/>
+              <a:t>d’exemples </a:t>
+            </a:r>
+            <a:r>
+              <a:rPr lang="fr-FR" baseline="0" dirty="0" smtClean="0"/>
+              <a:t>portant sur des domaines variés </a:t>
+            </a:r>
+            <a:r>
+              <a:rPr lang="fr-FR" baseline="0" dirty="0" smtClean="0"/>
+              <a:t>scientifiques. </a:t>
+            </a:r>
+            <a:endParaRPr lang="fr-FR" baseline="0" dirty="0" smtClean="0"/>
           </a:p>
           <a:p>
             <a:endParaRPr lang="fr-FR" dirty="0"/>
@@ -867,6 +917,7 @@
           <a:p>
             <a:fld id="{D69D4C5C-07DB-4146-8BDE-61540ADB1C9B}" type="slidenum">
               <a:rPr lang="fr-FR" smtClean="0"/>
+              <a:pPr/>
               <a:t>2</a:t>
             </a:fld>
             <a:endParaRPr lang="fr-FR"/>
@@ -876,7 +927,7 @@
     </p:spTree>
     <p:extLst>
       <p:ext uri="{BB962C8B-B14F-4D97-AF65-F5344CB8AC3E}">
-        <p14:creationId xmlns:p14="http://schemas.microsoft.com/office/powerpoint/2010/main" val="1028214212"/>
+        <p14:creationId xmlns:p14="http://schemas.microsoft.com/office/powerpoint/2010/main" xmlns="" val="1028214212"/>
       </p:ext>
     </p:extLst>
   </p:cSld>
@@ -947,7 +998,15 @@
           <a:p>
             <a:r>
               <a:rPr lang="fr-FR" baseline="0" dirty="0" smtClean="0"/>
-              <a:t>Des exemples d’évaluation écrites pourront être proposés. </a:t>
+              <a:t>Des exemples </a:t>
+            </a:r>
+            <a:r>
+              <a:rPr lang="fr-FR" baseline="0" dirty="0" smtClean="0"/>
+              <a:t>d’évaluations </a:t>
+            </a:r>
+            <a:r>
+              <a:rPr lang="fr-FR" baseline="0" dirty="0" smtClean="0"/>
+              <a:t>écrites pourront être proposés. </a:t>
             </a:r>
           </a:p>
           <a:p>
@@ -975,6 +1034,7 @@
           <a:p>
             <a:fld id="{D69D4C5C-07DB-4146-8BDE-61540ADB1C9B}" type="slidenum">
               <a:rPr lang="fr-FR" smtClean="0"/>
+              <a:pPr/>
               <a:t>3</a:t>
             </a:fld>
             <a:endParaRPr lang="fr-FR"/>
@@ -984,7 +1044,7 @@
     </p:spTree>
     <p:extLst>
       <p:ext uri="{BB962C8B-B14F-4D97-AF65-F5344CB8AC3E}">
-        <p14:creationId xmlns:p14="http://schemas.microsoft.com/office/powerpoint/2010/main" val="3804525864"/>
+        <p14:creationId xmlns:p14="http://schemas.microsoft.com/office/powerpoint/2010/main" xmlns="" val="3804525864"/>
       </p:ext>
     </p:extLst>
   </p:cSld>
@@ -1062,11 +1122,19 @@
           <a:p>
             <a:r>
               <a:rPr lang="fr-FR" baseline="0" dirty="0" smtClean="0"/>
-              <a:t>Si vous avez des idées d’exemples qui pourraient être abordés merci d’en informer </a:t>
+              <a:t>Si vous avez des </a:t>
+            </a:r>
+            <a:r>
+              <a:rPr lang="fr-FR" baseline="0" dirty="0" smtClean="0"/>
+              <a:t>idées, des applications que vous </a:t>
             </a:r>
             <a:r>
               <a:rPr lang="fr-FR" baseline="0" smtClean="0"/>
-              <a:t>les formateurs.</a:t>
+              <a:t>souhaitez aborder, merci </a:t>
+            </a:r>
+            <a:r>
+              <a:rPr lang="fr-FR" baseline="0" dirty="0" smtClean="0"/>
+              <a:t>d’en informer les formateurs.</a:t>
             </a:r>
           </a:p>
           <a:p>
@@ -1091,6 +1159,7 @@
           <a:p>
             <a:fld id="{D69D4C5C-07DB-4146-8BDE-61540ADB1C9B}" type="slidenum">
               <a:rPr lang="fr-FR" smtClean="0"/>
+              <a:pPr/>
               <a:t>4</a:t>
             </a:fld>
             <a:endParaRPr lang="fr-FR"/>
@@ -1100,7 +1169,7 @@
     </p:spTree>
     <p:extLst>
       <p:ext uri="{BB962C8B-B14F-4D97-AF65-F5344CB8AC3E}">
-        <p14:creationId xmlns:p14="http://schemas.microsoft.com/office/powerpoint/2010/main" val="1495809067"/>
+        <p14:creationId xmlns:p14="http://schemas.microsoft.com/office/powerpoint/2010/main" xmlns="" val="1495809067"/>
       </p:ext>
     </p:extLst>
   </p:cSld>
@@ -1298,7 +1367,8 @@
           <a:p>
             <a:fld id="{6709E43B-9441-6341-BD63-84DDA1A9C3FB}" type="datetime1">
               <a:rPr lang="fr-FR" smtClean="0"/>
-              <a:t>01/12/2014</a:t>
+              <a:pPr/>
+              <a:t>06/12/2014</a:t>
             </a:fld>
             <a:endParaRPr lang="fr-FR"/>
           </a:p>
@@ -1344,6 +1414,7 @@
           <a:p>
             <a:fld id="{5FD889E0-CAB2-4699-909D-B9A88D47ACBE}" type="slidenum">
               <a:rPr lang="en-US" smtClean="0"/>
+              <a:pPr/>
               <a:t>‹N°›</a:t>
             </a:fld>
             <a:endParaRPr lang="en-US"/>
@@ -1502,7 +1573,8 @@
           <a:p>
             <a:fld id="{268AA955-8B04-894F-8FDF-A5E12E980EDC}" type="datetime1">
               <a:rPr lang="fr-FR" smtClean="0"/>
-              <a:t>01/12/2014</a:t>
+              <a:pPr/>
+              <a:t>06/12/2014</a:t>
             </a:fld>
             <a:endParaRPr lang="fr-FR"/>
           </a:p>
@@ -1548,6 +1620,7 @@
           <a:p>
             <a:fld id="{9B8334CA-52B9-8B4B-AA0F-E9B48CBEA1E4}" type="slidenum">
               <a:rPr lang="fr-FR" smtClean="0"/>
+              <a:pPr/>
               <a:t>‹N°›</a:t>
             </a:fld>
             <a:endParaRPr lang="fr-FR"/>
@@ -1681,7 +1754,8 @@
           <a:p>
             <a:fld id="{FDC97532-5F56-764F-9C75-F53758D5A21E}" type="datetime1">
               <a:rPr lang="fr-FR" smtClean="0"/>
-              <a:t>01/12/2014</a:t>
+              <a:pPr/>
+              <a:t>06/12/2014</a:t>
             </a:fld>
             <a:endParaRPr lang="fr-FR"/>
           </a:p>
@@ -1727,6 +1801,7 @@
           <a:p>
             <a:fld id="{9B8334CA-52B9-8B4B-AA0F-E9B48CBEA1E4}" type="slidenum">
               <a:rPr lang="fr-FR" smtClean="0"/>
+              <a:pPr/>
               <a:t>‹N°›</a:t>
             </a:fld>
             <a:endParaRPr lang="fr-FR"/>
@@ -1876,7 +1951,8 @@
           <a:p>
             <a:fld id="{EC050341-9FD1-4D41-897E-C16A13D412D6}" type="datetime1">
               <a:rPr lang="fr-FR" smtClean="0"/>
-              <a:t>01/12/2014</a:t>
+              <a:pPr/>
+              <a:t>06/12/2014</a:t>
             </a:fld>
             <a:endParaRPr lang="fr-FR"/>
           </a:p>
@@ -1922,6 +1998,7 @@
           <a:p>
             <a:fld id="{9B8334CA-52B9-8B4B-AA0F-E9B48CBEA1E4}" type="slidenum">
               <a:rPr lang="fr-FR" smtClean="0"/>
+              <a:pPr/>
               <a:t>‹N°›</a:t>
             </a:fld>
             <a:endParaRPr lang="fr-FR"/>
@@ -2135,7 +2212,8 @@
           <a:p>
             <a:fld id="{267F1CD6-E1AD-4847-B8D2-9BC7541D26A9}" type="datetime1">
               <a:rPr lang="fr-FR" smtClean="0"/>
-              <a:t>01/12/2014</a:t>
+              <a:pPr/>
+              <a:t>06/12/2014</a:t>
             </a:fld>
             <a:endParaRPr lang="fr-FR"/>
           </a:p>
@@ -2181,6 +2259,7 @@
           <a:p>
             <a:fld id="{4A822907-8A9D-4F6B-98F6-913902AD56B5}" type="slidenum">
               <a:rPr lang="en-US" smtClean="0"/>
+              <a:pPr/>
               <a:t>‹N°›</a:t>
             </a:fld>
             <a:endParaRPr lang="en-US"/>
@@ -2457,7 +2536,8 @@
           <a:p>
             <a:fld id="{377C4889-60B5-CD4F-97E2-5B317AA429BB}" type="datetime1">
               <a:rPr lang="fr-FR" smtClean="0"/>
-              <a:t>01/12/2014</a:t>
+              <a:pPr/>
+              <a:t>06/12/2014</a:t>
             </a:fld>
             <a:endParaRPr lang="fr-FR"/>
           </a:p>
@@ -2503,6 +2583,7 @@
           <a:p>
             <a:fld id="{9B8334CA-52B9-8B4B-AA0F-E9B48CBEA1E4}" type="slidenum">
               <a:rPr lang="fr-FR" smtClean="0"/>
+              <a:pPr/>
               <a:t>‹N°›</a:t>
             </a:fld>
             <a:endParaRPr lang="fr-FR"/>
@@ -2927,7 +3008,8 @@
           <a:p>
             <a:fld id="{0FA1CA9B-4F70-864C-920B-92AD8DFE7583}" type="datetime1">
               <a:rPr lang="fr-FR" smtClean="0"/>
-              <a:t>01/12/2014</a:t>
+              <a:pPr/>
+              <a:t>06/12/2014</a:t>
             </a:fld>
             <a:endParaRPr lang="fr-FR"/>
           </a:p>
@@ -2973,6 +3055,7 @@
           <a:p>
             <a:fld id="{9B8334CA-52B9-8B4B-AA0F-E9B48CBEA1E4}" type="slidenum">
               <a:rPr lang="fr-FR" smtClean="0"/>
+              <a:pPr/>
               <a:t>‹N°›</a:t>
             </a:fld>
             <a:endParaRPr lang="fr-FR"/>
@@ -3079,7 +3162,8 @@
           <a:p>
             <a:fld id="{4F2CC383-4EE0-2241-AEE6-2AAA6580B403}" type="datetime1">
               <a:rPr lang="fr-FR" smtClean="0"/>
-              <a:t>01/12/2014</a:t>
+              <a:pPr/>
+              <a:t>06/12/2014</a:t>
             </a:fld>
             <a:endParaRPr lang="fr-FR"/>
           </a:p>
@@ -3125,6 +3209,7 @@
           <a:p>
             <a:fld id="{9B8334CA-52B9-8B4B-AA0F-E9B48CBEA1E4}" type="slidenum">
               <a:rPr lang="fr-FR" smtClean="0"/>
+              <a:pPr/>
               <a:t>‹N°›</a:t>
             </a:fld>
             <a:endParaRPr lang="fr-FR"/>
@@ -3173,7 +3258,8 @@
           <a:p>
             <a:fld id="{3F29AFFA-2E38-E240-9E76-4B3B98489A6D}" type="datetime1">
               <a:rPr lang="fr-FR" smtClean="0"/>
-              <a:t>01/12/2014</a:t>
+              <a:pPr/>
+              <a:t>06/12/2014</a:t>
             </a:fld>
             <a:endParaRPr lang="fr-FR"/>
           </a:p>
@@ -3219,6 +3305,7 @@
           <a:p>
             <a:fld id="{9B8334CA-52B9-8B4B-AA0F-E9B48CBEA1E4}" type="slidenum">
               <a:rPr lang="fr-FR" smtClean="0"/>
+              <a:pPr/>
               <a:t>‹N°›</a:t>
             </a:fld>
             <a:endParaRPr lang="fr-FR"/>
@@ -3451,7 +3538,8 @@
           <a:p>
             <a:fld id="{BC66C2F2-1133-B742-8E81-ACE648734598}" type="datetime1">
               <a:rPr lang="fr-FR" smtClean="0"/>
-              <a:t>01/12/2014</a:t>
+              <a:pPr/>
+              <a:t>06/12/2014</a:t>
             </a:fld>
             <a:endParaRPr lang="fr-FR"/>
           </a:p>
@@ -3497,6 +3585,7 @@
           <a:p>
             <a:fld id="{7F5CE407-6216-4202-80E4-A30DC2F709B2}" type="slidenum">
               <a:rPr lang="en-US" smtClean="0"/>
+              <a:pPr/>
               <a:t>‹N°›</a:t>
             </a:fld>
             <a:endParaRPr lang="en-US"/>
@@ -3760,7 +3849,8 @@
           <a:p>
             <a:fld id="{7312FBEE-7E81-E746-8617-1B9234528FDD}" type="datetime1">
               <a:rPr lang="fr-FR" smtClean="0"/>
-              <a:t>01/12/2014</a:t>
+              <a:pPr/>
+              <a:t>06/12/2014</a:t>
             </a:fld>
             <a:endParaRPr lang="fr-FR"/>
           </a:p>
@@ -3806,6 +3896,7 @@
           <a:p>
             <a:fld id="{9B8334CA-52B9-8B4B-AA0F-E9B48CBEA1E4}" type="slidenum">
               <a:rPr lang="fr-FR" smtClean="0"/>
+              <a:pPr/>
               <a:t>‹N°›</a:t>
             </a:fld>
             <a:endParaRPr lang="fr-FR"/>
@@ -4062,7 +4153,8 @@
           <a:p>
             <a:fld id="{B90A4B7D-106F-C147-BCBF-57A394B22041}" type="datetime1">
               <a:rPr lang="fr-FR" smtClean="0"/>
-              <a:t>01/12/2014</a:t>
+              <a:pPr/>
+              <a:t>06/12/2014</a:t>
             </a:fld>
             <a:endParaRPr lang="fr-FR"/>
           </a:p>
@@ -4140,6 +4232,7 @@
           <a:p>
             <a:fld id="{9B8334CA-52B9-8B4B-AA0F-E9B48CBEA1E4}" type="slidenum">
               <a:rPr lang="fr-FR" smtClean="0"/>
+              <a:pPr/>
               <a:t>‹N°›</a:t>
             </a:fld>
             <a:endParaRPr lang="fr-FR"/>
@@ -4604,7 +4697,7 @@
           <a:blip r:embed="rId3">
             <a:extLst>
               <a:ext uri="{28A0092B-C50C-407E-A947-70E740481C1C}">
-                <a14:useLocalDpi xmlns:a14="http://schemas.microsoft.com/office/drawing/2010/main" val="0"/>
+                <a14:useLocalDpi xmlns:a14="http://schemas.microsoft.com/office/drawing/2010/main" xmlns="" val="0"/>
               </a:ext>
             </a:extLst>
           </a:blip>
@@ -4628,14 +4721,14 @@
           <a:effectLst/>
           <a:extLst>
             <a:ext uri="{909E8E84-426E-40DD-AFC4-6F175D3DCCD1}">
-              <a14:hiddenFill xmlns:a14="http://schemas.microsoft.com/office/drawing/2010/main">
+              <a14:hiddenFill xmlns:a14="http://schemas.microsoft.com/office/drawing/2010/main" xmlns="">
                 <a:solidFill>
                   <a:schemeClr val="accent1"/>
                 </a:solidFill>
               </a14:hiddenFill>
             </a:ext>
             <a:ext uri="{91240B29-F687-4F45-9708-019B960494DF}">
-              <a14:hiddenLine xmlns:a14="http://schemas.microsoft.com/office/drawing/2010/main" w="9525">
+              <a14:hiddenLine xmlns:a14="http://schemas.microsoft.com/office/drawing/2010/main" xmlns="" w="9525">
                 <a:solidFill>
                   <a:schemeClr val="tx1"/>
                 </a:solidFill>
@@ -4645,7 +4738,7 @@
               </a14:hiddenLine>
             </a:ext>
             <a:ext uri="{AF507438-7753-43E0-B8FC-AC1667EBCBE1}">
-              <a14:hiddenEffects xmlns:a14="http://schemas.microsoft.com/office/drawing/2010/main">
+              <a14:hiddenEffects xmlns:a14="http://schemas.microsoft.com/office/drawing/2010/main" xmlns="">
                 <a:effectLst>
                   <a:outerShdw dist="35921" dir="2700000" algn="ctr" rotWithShape="0">
                     <a:schemeClr val="bg2"/>
@@ -4668,7 +4761,7 @@
           <a:blip r:embed="rId4">
             <a:extLst>
               <a:ext uri="{28A0092B-C50C-407E-A947-70E740481C1C}">
-                <a14:useLocalDpi xmlns:a14="http://schemas.microsoft.com/office/drawing/2010/main" val="0"/>
+                <a14:useLocalDpi xmlns:a14="http://schemas.microsoft.com/office/drawing/2010/main" xmlns="" val="0"/>
               </a:ext>
             </a:extLst>
           </a:blip>
@@ -4692,14 +4785,14 @@
           <a:effectLst/>
           <a:extLst>
             <a:ext uri="{909E8E84-426E-40DD-AFC4-6F175D3DCCD1}">
-              <a14:hiddenFill xmlns:a14="http://schemas.microsoft.com/office/drawing/2010/main">
+              <a14:hiddenFill xmlns:a14="http://schemas.microsoft.com/office/drawing/2010/main" xmlns="">
                 <a:solidFill>
                   <a:schemeClr val="accent1"/>
                 </a:solidFill>
               </a14:hiddenFill>
             </a:ext>
             <a:ext uri="{91240B29-F687-4F45-9708-019B960494DF}">
-              <a14:hiddenLine xmlns:a14="http://schemas.microsoft.com/office/drawing/2010/main" w="9525">
+              <a14:hiddenLine xmlns:a14="http://schemas.microsoft.com/office/drawing/2010/main" xmlns="" w="9525">
                 <a:solidFill>
                   <a:schemeClr val="tx1"/>
                 </a:solidFill>
@@ -4709,7 +4802,7 @@
               </a14:hiddenLine>
             </a:ext>
             <a:ext uri="{AF507438-7753-43E0-B8FC-AC1667EBCBE1}">
-              <a14:hiddenEffects xmlns:a14="http://schemas.microsoft.com/office/drawing/2010/main">
+              <a14:hiddenEffects xmlns:a14="http://schemas.microsoft.com/office/drawing/2010/main" xmlns="">
                 <a:effectLst>
                   <a:outerShdw dist="35921" dir="2700000" algn="ctr" rotWithShape="0">
                     <a:schemeClr val="bg2"/>
@@ -4723,19 +4816,19 @@
     </p:spTree>
     <p:extLst>
       <p:ext uri="{BB962C8B-B14F-4D97-AF65-F5344CB8AC3E}">
-        <p14:creationId xmlns:p14="http://schemas.microsoft.com/office/powerpoint/2010/main" val="3037635492"/>
+        <p14:creationId xmlns:p14="http://schemas.microsoft.com/office/powerpoint/2010/main" xmlns="" val="3037635492"/>
       </p:ext>
     </p:extLst>
   </p:cSld>
   <p:clrMapOvr>
     <a:masterClrMapping/>
   </p:clrMapOvr>
-  <mc:AlternateContent xmlns:mc="http://schemas.openxmlformats.org/markup-compatibility/2006" xmlns:p14="http://schemas.microsoft.com/office/powerpoint/2010/main">
-    <mc:Choice Requires="p14">
+  <mc:AlternateContent xmlns:mc="http://schemas.openxmlformats.org/markup-compatibility/2006">
+    <mc:Choice xmlns:p14="http://schemas.microsoft.com/office/powerpoint/2010/main" xmlns="" Requires="p14">
       <p:transition spd="slow" p14:dur="2000"/>
     </mc:Choice>
-    <mc:Fallback xmlns="">
-      <p:transition xmlns:p14="http://schemas.microsoft.com/office/powerpoint/2010/main" spd="slow"/>
+    <mc:Fallback>
+      <p:transition spd="slow"/>
     </mc:Fallback>
   </mc:AlternateContent>
   <p:timing>
@@ -4865,7 +4958,11 @@
           <a:p>
             <a:r>
               <a:rPr lang="fr-FR" dirty="0" smtClean="0"/>
-              <a:t>Implémentation des algorithmes dans un langage</a:t>
+              <a:t>Implémentation des algorithmes dans un </a:t>
+            </a:r>
+            <a:r>
+              <a:rPr lang="fr-FR" dirty="0" smtClean="0"/>
+              <a:t>langage </a:t>
             </a:r>
             <a:endParaRPr lang="fr-FR" dirty="0"/>
           </a:p>
@@ -4916,7 +5013,15 @@
           <a:p>
             <a:r>
               <a:rPr lang="fr-FR" dirty="0" smtClean="0"/>
-              <a:t>Structures conditionnelles et itératives et récursives</a:t>
+              <a:t>Structures </a:t>
+            </a:r>
+            <a:r>
+              <a:rPr lang="fr-FR" dirty="0" smtClean="0"/>
+              <a:t>conditionnelles, itératives </a:t>
+            </a:r>
+            <a:r>
+              <a:rPr lang="fr-FR" dirty="0" smtClean="0"/>
+              <a:t>et récursives</a:t>
             </a:r>
           </a:p>
         </p:txBody>
@@ -4954,7 +5059,19 @@
               <a:rPr lang="fr-FR" sz="2000" dirty="0" smtClean="0">
                 <a:latin typeface="Calibri" panose="020F0502020204030204" pitchFamily="34" charset="0"/>
               </a:rPr>
-              <a:t>Les exemples s’appuieront sur des exemples concrets provenant s’appuyer sur :</a:t>
+              <a:t>Les exemples s’appuieront sur des exemples concrets </a:t>
+            </a:r>
+            <a:r>
+              <a:rPr lang="fr-FR" sz="2000" dirty="0" smtClean="0">
+                <a:latin typeface="Calibri" panose="020F0502020204030204" pitchFamily="34" charset="0"/>
+              </a:rPr>
+              <a:t>pouvant </a:t>
+            </a:r>
+            <a:r>
+              <a:rPr lang="fr-FR" sz="2000" dirty="0" smtClean="0">
+                <a:latin typeface="Calibri" panose="020F0502020204030204" pitchFamily="34" charset="0"/>
+              </a:rPr>
+              <a:t>s’appuyer sur :</a:t>
             </a:r>
           </a:p>
           <a:p>
@@ -4972,8 +5089,23 @@
                 </a:solidFill>
                 <a:latin typeface="Calibri" panose="020F0502020204030204" pitchFamily="34" charset="0"/>
               </a:rPr>
-              <a:t> les mathématiques;</a:t>
-            </a:r>
+              <a:t> les </a:t>
+            </a:r>
+            <a:r>
+              <a:rPr lang="fr-FR" b="1" dirty="0" smtClean="0">
+                <a:solidFill>
+                  <a:schemeClr val="tx2"/>
+                </a:solidFill>
+                <a:latin typeface="Calibri" panose="020F0502020204030204" pitchFamily="34" charset="0"/>
+              </a:rPr>
+              <a:t>mathématiques ;</a:t>
+            </a:r>
+            <a:endParaRPr lang="fr-FR" b="1" dirty="0" smtClean="0">
+              <a:solidFill>
+                <a:schemeClr val="tx2"/>
+              </a:solidFill>
+              <a:latin typeface="Calibri" panose="020F0502020204030204" pitchFamily="34" charset="0"/>
+            </a:endParaRPr>
           </a:p>
           <a:p>
             <a:pPr lvl="2">
@@ -4999,8 +5131,23 @@
                 </a:solidFill>
                 <a:latin typeface="Calibri" panose="020F0502020204030204" pitchFamily="34" charset="0"/>
               </a:rPr>
-              <a:t>les sciences de l’ingénieur ou les sciences physiques;</a:t>
-            </a:r>
+              <a:t>les sciences de l’ingénieur ou les sciences </a:t>
+            </a:r>
+            <a:r>
+              <a:rPr lang="fr-FR" b="1" dirty="0" smtClean="0">
+                <a:solidFill>
+                  <a:schemeClr val="tx2"/>
+                </a:solidFill>
+                <a:latin typeface="Calibri" panose="020F0502020204030204" pitchFamily="34" charset="0"/>
+              </a:rPr>
+              <a:t>physiques ;</a:t>
+            </a:r>
+            <a:endParaRPr lang="fr-FR" b="1" dirty="0" smtClean="0">
+              <a:solidFill>
+                <a:schemeClr val="tx2"/>
+              </a:solidFill>
+              <a:latin typeface="Calibri" panose="020F0502020204030204" pitchFamily="34" charset="0"/>
+            </a:endParaRPr>
           </a:p>
           <a:p>
             <a:pPr lvl="2">
@@ -5026,8 +5173,23 @@
                 </a:solidFill>
                 <a:latin typeface="Calibri" panose="020F0502020204030204" pitchFamily="34" charset="0"/>
               </a:rPr>
-              <a:t>les Sciences de la Vie et de la Terre;</a:t>
-            </a:r>
+              <a:t>les Sciences de la Vie et de la </a:t>
+            </a:r>
+            <a:r>
+              <a:rPr lang="fr-FR" b="1" dirty="0" smtClean="0">
+                <a:solidFill>
+                  <a:schemeClr val="tx2"/>
+                </a:solidFill>
+                <a:latin typeface="Calibri" panose="020F0502020204030204" pitchFamily="34" charset="0"/>
+              </a:rPr>
+              <a:t>Terre ;</a:t>
+            </a:r>
+            <a:endParaRPr lang="fr-FR" b="1" dirty="0" smtClean="0">
+              <a:solidFill>
+                <a:schemeClr val="tx2"/>
+              </a:solidFill>
+              <a:latin typeface="Calibri" panose="020F0502020204030204" pitchFamily="34" charset="0"/>
+            </a:endParaRPr>
           </a:p>
           <a:p>
             <a:pPr lvl="2">
@@ -5053,8 +5215,23 @@
                 </a:solidFill>
                 <a:latin typeface="Calibri" panose="020F0502020204030204" pitchFamily="34" charset="0"/>
               </a:rPr>
-              <a:t>l’informatique (tri, chiffrage déchiffrage, arbres …);</a:t>
-            </a:r>
+              <a:t>l’informatique (tri, chiffrage déchiffrage, arbres </a:t>
+            </a:r>
+            <a:r>
+              <a:rPr lang="fr-FR" b="1" dirty="0" smtClean="0">
+                <a:solidFill>
+                  <a:schemeClr val="tx2"/>
+                </a:solidFill>
+                <a:latin typeface="Calibri" panose="020F0502020204030204" pitchFamily="34" charset="0"/>
+              </a:rPr>
+              <a:t>…) ;</a:t>
+            </a:r>
+            <a:endParaRPr lang="fr-FR" b="1" dirty="0" smtClean="0">
+              <a:solidFill>
+                <a:schemeClr val="tx2"/>
+              </a:solidFill>
+              <a:latin typeface="Calibri" panose="020F0502020204030204" pitchFamily="34" charset="0"/>
+            </a:endParaRPr>
           </a:p>
           <a:p>
             <a:pPr lvl="2">
@@ -5098,8 +5275,23 @@
                 </a:solidFill>
                 <a:latin typeface="Calibri" panose="020F0502020204030204" pitchFamily="34" charset="0"/>
               </a:rPr>
-              <a:t>0, équations différentielles);</a:t>
-            </a:r>
+              <a:t>0, équations </a:t>
+            </a:r>
+            <a:r>
+              <a:rPr lang="fr-FR" b="1" dirty="0" smtClean="0">
+                <a:solidFill>
+                  <a:schemeClr val="tx2"/>
+                </a:solidFill>
+                <a:latin typeface="Calibri" panose="020F0502020204030204" pitchFamily="34" charset="0"/>
+              </a:rPr>
+              <a:t>différentielles, calcul intégral) ;</a:t>
+            </a:r>
+            <a:endParaRPr lang="fr-FR" b="1" dirty="0" smtClean="0">
+              <a:solidFill>
+                <a:schemeClr val="tx2"/>
+              </a:solidFill>
+              <a:latin typeface="Calibri" panose="020F0502020204030204" pitchFamily="34" charset="0"/>
+            </a:endParaRPr>
           </a:p>
           <a:p>
             <a:pPr lvl="2">
@@ -5172,10 +5364,138 @@
           </a:p>
         </p:txBody>
       </p:sp>
+      <p:pic>
+        <p:nvPicPr>
+          <p:cNvPr id="10" name="Picture 2"/>
+          <p:cNvPicPr>
+            <a:picLocks noChangeAspect="1" noChangeArrowheads="1"/>
+          </p:cNvPicPr>
+          <p:nvPr/>
+        </p:nvPicPr>
+        <p:blipFill>
+          <a:blip r:embed="rId3">
+            <a:extLst>
+              <a:ext uri="{28A0092B-C50C-407E-A947-70E740481C1C}">
+                <a14:useLocalDpi xmlns:a14="http://schemas.microsoft.com/office/drawing/2010/main" xmlns="" val="0"/>
+              </a:ext>
+            </a:extLst>
+          </a:blip>
+          <a:srcRect/>
+          <a:stretch>
+            <a:fillRect/>
+          </a:stretch>
+        </p:blipFill>
+        <p:spPr bwMode="auto">
+          <a:xfrm>
+            <a:off x="5424121" y="3764673"/>
+            <a:ext cx="1048117" cy="295058"/>
+          </a:xfrm>
+          <a:prstGeom prst="rect">
+            <a:avLst/>
+          </a:prstGeom>
+          <a:noFill/>
+          <a:ln>
+            <a:noFill/>
+          </a:ln>
+          <a:effectLst/>
+          <a:extLst>
+            <a:ext uri="{909E8E84-426E-40DD-AFC4-6F175D3DCCD1}">
+              <a14:hiddenFill xmlns:a14="http://schemas.microsoft.com/office/drawing/2010/main" xmlns="">
+                <a:solidFill>
+                  <a:schemeClr val="accent1"/>
+                </a:solidFill>
+              </a14:hiddenFill>
+            </a:ext>
+            <a:ext uri="{91240B29-F687-4F45-9708-019B960494DF}">
+              <a14:hiddenLine xmlns:a14="http://schemas.microsoft.com/office/drawing/2010/main" xmlns="" w="9525">
+                <a:solidFill>
+                  <a:schemeClr val="tx1"/>
+                </a:solidFill>
+                <a:miter lim="800000"/>
+                <a:headEnd/>
+                <a:tailEnd/>
+              </a14:hiddenLine>
+            </a:ext>
+            <a:ext uri="{AF507438-7753-43E0-B8FC-AC1667EBCBE1}">
+              <a14:hiddenEffects xmlns:a14="http://schemas.microsoft.com/office/drawing/2010/main" xmlns="">
+                <a:effectLst>
+                  <a:outerShdw dist="35921" dir="2700000" algn="ctr" rotWithShape="0">
+                    <a:schemeClr val="bg2"/>
+                  </a:outerShdw>
+                </a:effectLst>
+              </a14:hiddenEffects>
+            </a:ext>
+          </a:extLst>
+        </p:spPr>
+      </p:pic>
+      <p:pic>
+        <p:nvPicPr>
+          <p:cNvPr id="11" name="Picture 3"/>
+          <p:cNvPicPr>
+            <a:picLocks noChangeAspect="1" noChangeArrowheads="1"/>
+          </p:cNvPicPr>
+          <p:nvPr/>
+        </p:nvPicPr>
+        <p:blipFill>
+          <a:blip r:embed="rId4">
+            <a:extLst>
+              <a:ext uri="{28A0092B-C50C-407E-A947-70E740481C1C}">
+                <a14:useLocalDpi xmlns:a14="http://schemas.microsoft.com/office/drawing/2010/main" xmlns="" val="0"/>
+              </a:ext>
+            </a:extLst>
+          </a:blip>
+          <a:srcRect/>
+          <a:stretch>
+            <a:fillRect/>
+          </a:stretch>
+        </p:blipFill>
+        <p:spPr bwMode="auto">
+          <a:xfrm>
+            <a:off x="6840415" y="3707019"/>
+            <a:ext cx="703385" cy="352712"/>
+          </a:xfrm>
+          <a:prstGeom prst="rect">
+            <a:avLst/>
+          </a:prstGeom>
+          <a:noFill/>
+          <a:ln>
+            <a:noFill/>
+          </a:ln>
+          <a:effectLst/>
+          <a:extLst>
+            <a:ext uri="{909E8E84-426E-40DD-AFC4-6F175D3DCCD1}">
+              <a14:hiddenFill xmlns:a14="http://schemas.microsoft.com/office/drawing/2010/main" xmlns="">
+                <a:solidFill>
+                  <a:schemeClr val="accent1"/>
+                </a:solidFill>
+              </a14:hiddenFill>
+            </a:ext>
+            <a:ext uri="{91240B29-F687-4F45-9708-019B960494DF}">
+              <a14:hiddenLine xmlns:a14="http://schemas.microsoft.com/office/drawing/2010/main" xmlns="" w="9525">
+                <a:solidFill>
+                  <a:schemeClr val="tx1"/>
+                </a:solidFill>
+                <a:miter lim="800000"/>
+                <a:headEnd/>
+                <a:tailEnd/>
+              </a14:hiddenLine>
+            </a:ext>
+            <a:ext uri="{AF507438-7753-43E0-B8FC-AC1667EBCBE1}">
+              <a14:hiddenEffects xmlns:a14="http://schemas.microsoft.com/office/drawing/2010/main" xmlns="">
+                <a:effectLst>
+                  <a:outerShdw dist="35921" dir="2700000" algn="ctr" rotWithShape="0">
+                    <a:schemeClr val="bg2"/>
+                  </a:outerShdw>
+                </a:effectLst>
+              </a14:hiddenEffects>
+            </a:ext>
+          </a:extLst>
+        </p:spPr>
+      </p:pic>
     </p:spTree>
     <p:extLst>
       <p:ext uri="{BB962C8B-B14F-4D97-AF65-F5344CB8AC3E}">
-        <p14:creationId xmlns:p14="http://schemas.microsoft.com/office/powerpoint/2010/main" val="2718835750"/>
+        <p14:creationId xmlns:p14="http://schemas.microsoft.com/office/powerpoint/2010/main" xmlns="" val="2718835750"/>
       </p:ext>
     </p:extLst>
   </p:cSld>
@@ -5575,19 +5895,19 @@
     </p:spTree>
     <p:extLst>
       <p:ext uri="{BB962C8B-B14F-4D97-AF65-F5344CB8AC3E}">
-        <p14:creationId xmlns:p14="http://schemas.microsoft.com/office/powerpoint/2010/main" val="479222456"/>
+        <p14:creationId xmlns:p14="http://schemas.microsoft.com/office/powerpoint/2010/main" xmlns="" val="479222456"/>
       </p:ext>
     </p:extLst>
   </p:cSld>
   <p:clrMapOvr>
     <a:masterClrMapping/>
   </p:clrMapOvr>
-  <mc:AlternateContent xmlns:mc="http://schemas.openxmlformats.org/markup-compatibility/2006" xmlns:p14="http://schemas.microsoft.com/office/powerpoint/2010/main">
-    <mc:Choice Requires="p14">
+  <mc:AlternateContent xmlns:mc="http://schemas.openxmlformats.org/markup-compatibility/2006">
+    <mc:Choice xmlns:p14="http://schemas.microsoft.com/office/powerpoint/2010/main" xmlns="" Requires="p14">
       <p:transition spd="slow" p14:dur="2000"/>
     </mc:Choice>
-    <mc:Fallback xmlns="">
-      <p:transition xmlns:p14="http://schemas.microsoft.com/office/powerpoint/2010/main" spd="slow"/>
+    <mc:Fallback>
+      <p:transition spd="slow"/>
     </mc:Fallback>
   </mc:AlternateContent>
   <p:timing>
@@ -5652,7 +5972,7 @@
         </p:nvSpPr>
         <p:spPr>
           <a:xfrm>
-            <a:off x="-1" y="1600200"/>
+            <a:off x="114303" y="1600200"/>
             <a:ext cx="8897815" cy="4876800"/>
           </a:xfrm>
         </p:spPr>
@@ -5673,13 +5993,6 @@
             </a:r>
           </a:p>
           <a:p>
-            <a:pPr lvl="1"/>
-            <a:r>
-              <a:rPr lang="fr-FR" dirty="0" smtClean="0"/>
-              <a:t>Aucune connaissance de MagicDraw n’est demandée</a:t>
-            </a:r>
-          </a:p>
-          <a:p>
             <a:r>
               <a:rPr lang="fr-FR" dirty="0" smtClean="0"/>
               <a:t>Besoins logiciels </a:t>
@@ -5689,7 +6002,23 @@
             <a:pPr lvl="1"/>
             <a:r>
               <a:rPr lang="fr-FR" dirty="0" smtClean="0"/>
-              <a:t>Dans le cas où le participant voudrait utilisé son ordinateur personnel sont nécessaires :</a:t>
+              <a:t>Dans le cas où le participant voudrait </a:t>
+            </a:r>
+            <a:r>
+              <a:rPr lang="fr-FR" dirty="0" smtClean="0"/>
+              <a:t>utiliser </a:t>
+            </a:r>
+            <a:r>
+              <a:rPr lang="fr-FR" dirty="0" smtClean="0"/>
+              <a:t>son ordinateur </a:t>
+            </a:r>
+            <a:r>
+              <a:rPr lang="fr-FR" dirty="0" smtClean="0"/>
+              <a:t>personnel, </a:t>
+            </a:r>
+            <a:r>
+              <a:rPr lang="fr-FR" dirty="0" smtClean="0"/>
+              <a:t>sont nécessaires :</a:t>
             </a:r>
           </a:p>
           <a:p>
@@ -5796,7 +6125,7 @@
     </p:spTree>
     <p:extLst>
       <p:ext uri="{BB962C8B-B14F-4D97-AF65-F5344CB8AC3E}">
-        <p14:creationId xmlns:p14="http://schemas.microsoft.com/office/powerpoint/2010/main" val="2248875390"/>
+        <p14:creationId xmlns:p14="http://schemas.microsoft.com/office/powerpoint/2010/main" xmlns="" val="2248875390"/>
       </p:ext>
     </p:extLst>
   </p:cSld>

--- a/03_Algorithmique/ALGO1_PPT.pptx
+++ b/03_Algorithmique/ALGO1_PPT.pptx
@@ -199,7 +199,7 @@
             <a:fld id="{A2604479-CBC5-3546-8A0D-DC7D3BA30544}" type="datetimeFigureOut">
               <a:rPr lang="fr-FR" smtClean="0"/>
               <a:pPr/>
-              <a:t>06/12/2014</a:t>
+              <a:t>12/02/2015</a:t>
             </a:fld>
             <a:endParaRPr lang="fr-FR"/>
           </a:p>
@@ -275,7 +275,7 @@
     </p:spTree>
     <p:extLst>
       <p:ext uri="{BB962C8B-B14F-4D97-AF65-F5344CB8AC3E}">
-        <p14:creationId xmlns:p14="http://schemas.microsoft.com/office/powerpoint/2010/main" xmlns="" val="3414476341"/>
+        <p14:creationId xmlns:p14="http://schemas.microsoft.com/office/powerpoint/2010/main" val="3414476341"/>
       </p:ext>
     </p:extLst>
   </p:cSld>
@@ -367,7 +367,7 @@
             <a:fld id="{7F4FFA02-BD9A-5445-8E51-E6D5A4E1DD4B}" type="datetimeFigureOut">
               <a:rPr lang="fr-FR" smtClean="0"/>
               <a:pPr/>
-              <a:t>06/12/2014</a:t>
+              <a:t>12/02/2015</a:t>
             </a:fld>
             <a:endParaRPr lang="fr-FR"/>
           </a:p>
@@ -536,7 +536,7 @@
     </p:spTree>
     <p:extLst>
       <p:ext uri="{BB962C8B-B14F-4D97-AF65-F5344CB8AC3E}">
-        <p14:creationId xmlns:p14="http://schemas.microsoft.com/office/powerpoint/2010/main" xmlns="" val="401334093"/>
+        <p14:creationId xmlns:p14="http://schemas.microsoft.com/office/powerpoint/2010/main" val="401334093"/>
       </p:ext>
     </p:extLst>
   </p:cSld>
@@ -735,7 +735,7 @@
     </p:spTree>
     <p:extLst>
       <p:ext uri="{BB962C8B-B14F-4D97-AF65-F5344CB8AC3E}">
-        <p14:creationId xmlns:p14="http://schemas.microsoft.com/office/powerpoint/2010/main" xmlns="" val="2560094274"/>
+        <p14:creationId xmlns:p14="http://schemas.microsoft.com/office/powerpoint/2010/main" val="2560094274"/>
       </p:ext>
     </p:extLst>
   </p:cSld>
@@ -801,41 +801,13 @@
           <a:p>
             <a:r>
               <a:rPr lang="fr-FR" baseline="0" dirty="0" smtClean="0"/>
-              <a:t> * structures conditionnelles </a:t>
-            </a:r>
+              <a:t> * structures conditionnelles (if … alors, sinon si … alors, sinon)</a:t>
+            </a:r>
+          </a:p>
+          <a:p>
             <a:r>
               <a:rPr lang="fr-FR" baseline="0" dirty="0" smtClean="0"/>
-              <a:t>(if </a:t>
-            </a:r>
-            <a:r>
-              <a:rPr lang="fr-FR" baseline="0" dirty="0" smtClean="0"/>
-              <a:t>… alors, </a:t>
-            </a:r>
-            <a:r>
-              <a:rPr lang="fr-FR" baseline="0" dirty="0" smtClean="0"/>
-              <a:t>sinon </a:t>
-            </a:r>
-            <a:r>
-              <a:rPr lang="fr-FR" baseline="0" dirty="0" smtClean="0"/>
-              <a:t>si … alors, </a:t>
-            </a:r>
-            <a:r>
-              <a:rPr lang="fr-FR" baseline="0" dirty="0" smtClean="0"/>
-              <a:t>sinon</a:t>
-            </a:r>
-            <a:r>
-              <a:rPr lang="fr-FR" baseline="0" dirty="0" smtClean="0"/>
-              <a:t>)</a:t>
-            </a:r>
-          </a:p>
-          <a:p>
-            <a:r>
-              <a:rPr lang="fr-FR" baseline="0" dirty="0" smtClean="0"/>
-              <a:t> * les structures itératives </a:t>
-            </a:r>
-            <a:r>
-              <a:rPr lang="fr-FR" baseline="0" dirty="0" smtClean="0"/>
-              <a:t>(boucles for, </a:t>
+              <a:t> * les structures itératives (boucles for, </a:t>
             </a:r>
             <a:r>
               <a:rPr lang="fr-FR" baseline="0" dirty="0" err="1" smtClean="0"/>
@@ -843,11 +815,7 @@
             </a:r>
             <a:r>
               <a:rPr lang="fr-FR" baseline="0" dirty="0" smtClean="0"/>
-              <a:t> </a:t>
-            </a:r>
-            <a:r>
-              <a:rPr lang="fr-FR" baseline="0" dirty="0" smtClean="0"/>
-              <a:t>…).</a:t>
+              <a:t> …).</a:t>
             </a:r>
           </a:p>
           <a:p>
@@ -871,29 +839,8 @@
           <a:p>
             <a:r>
               <a:rPr lang="fr-FR" baseline="0" dirty="0" smtClean="0"/>
-              <a:t>Tous les algorithmes </a:t>
-            </a:r>
-            <a:r>
-              <a:rPr lang="fr-FR" baseline="0" dirty="0" smtClean="0"/>
-              <a:t>sont développés </a:t>
-            </a:r>
-            <a:r>
-              <a:rPr lang="fr-FR" baseline="0" dirty="0" smtClean="0"/>
-              <a:t>au travers </a:t>
-            </a:r>
-            <a:r>
-              <a:rPr lang="fr-FR" baseline="0" dirty="0" smtClean="0"/>
-              <a:t>d’exemples </a:t>
-            </a:r>
-            <a:r>
-              <a:rPr lang="fr-FR" baseline="0" dirty="0" smtClean="0"/>
-              <a:t>portant sur des domaines variés </a:t>
-            </a:r>
-            <a:r>
-              <a:rPr lang="fr-FR" baseline="0" dirty="0" smtClean="0"/>
-              <a:t>scientifiques. </a:t>
-            </a:r>
-            <a:endParaRPr lang="fr-FR" baseline="0" dirty="0" smtClean="0"/>
+              <a:t>Tous les algorithmes sont développés au travers d’exemples portant sur des domaines variés scientifiques. </a:t>
+            </a:r>
           </a:p>
           <a:p>
             <a:endParaRPr lang="fr-FR" dirty="0"/>
@@ -927,7 +874,7 @@
     </p:spTree>
     <p:extLst>
       <p:ext uri="{BB962C8B-B14F-4D97-AF65-F5344CB8AC3E}">
-        <p14:creationId xmlns:p14="http://schemas.microsoft.com/office/powerpoint/2010/main" xmlns="" val="1028214212"/>
+        <p14:creationId xmlns:p14="http://schemas.microsoft.com/office/powerpoint/2010/main" val="1028214212"/>
       </p:ext>
     </p:extLst>
   </p:cSld>
@@ -998,15 +945,7 @@
           <a:p>
             <a:r>
               <a:rPr lang="fr-FR" baseline="0" dirty="0" smtClean="0"/>
-              <a:t>Des exemples </a:t>
-            </a:r>
-            <a:r>
-              <a:rPr lang="fr-FR" baseline="0" dirty="0" smtClean="0"/>
-              <a:t>d’évaluations </a:t>
-            </a:r>
-            <a:r>
-              <a:rPr lang="fr-FR" baseline="0" dirty="0" smtClean="0"/>
-              <a:t>écrites pourront être proposés. </a:t>
+              <a:t>Des exemples d’évaluations écrites pourront être proposés. </a:t>
             </a:r>
           </a:p>
           <a:p>
@@ -1044,7 +983,7 @@
     </p:spTree>
     <p:extLst>
       <p:ext uri="{BB962C8B-B14F-4D97-AF65-F5344CB8AC3E}">
-        <p14:creationId xmlns:p14="http://schemas.microsoft.com/office/powerpoint/2010/main" xmlns="" val="3804525864"/>
+        <p14:creationId xmlns:p14="http://schemas.microsoft.com/office/powerpoint/2010/main" val="3804525864"/>
       </p:ext>
     </p:extLst>
   </p:cSld>
@@ -1122,11 +1061,7 @@
           <a:p>
             <a:r>
               <a:rPr lang="fr-FR" baseline="0" dirty="0" smtClean="0"/>
-              <a:t>Si vous avez des </a:t>
-            </a:r>
-            <a:r>
-              <a:rPr lang="fr-FR" baseline="0" dirty="0" smtClean="0"/>
-              <a:t>idées, des applications que vous </a:t>
+              <a:t>Si vous avez des idées, des applications que vous </a:t>
             </a:r>
             <a:r>
               <a:rPr lang="fr-FR" baseline="0" smtClean="0"/>
@@ -1169,7 +1104,7 @@
     </p:spTree>
     <p:extLst>
       <p:ext uri="{BB962C8B-B14F-4D97-AF65-F5344CB8AC3E}">
-        <p14:creationId xmlns:p14="http://schemas.microsoft.com/office/powerpoint/2010/main" xmlns="" val="1495809067"/>
+        <p14:creationId xmlns:p14="http://schemas.microsoft.com/office/powerpoint/2010/main" val="1495809067"/>
       </p:ext>
     </p:extLst>
   </p:cSld>
@@ -1368,7 +1303,7 @@
             <a:fld id="{6709E43B-9441-6341-BD63-84DDA1A9C3FB}" type="datetime1">
               <a:rPr lang="fr-FR" smtClean="0"/>
               <a:pPr/>
-              <a:t>06/12/2014</a:t>
+              <a:t>12/02/2015</a:t>
             </a:fld>
             <a:endParaRPr lang="fr-FR"/>
           </a:p>
@@ -1574,7 +1509,7 @@
             <a:fld id="{268AA955-8B04-894F-8FDF-A5E12E980EDC}" type="datetime1">
               <a:rPr lang="fr-FR" smtClean="0"/>
               <a:pPr/>
-              <a:t>06/12/2014</a:t>
+              <a:t>12/02/2015</a:t>
             </a:fld>
             <a:endParaRPr lang="fr-FR"/>
           </a:p>
@@ -1755,7 +1690,7 @@
             <a:fld id="{FDC97532-5F56-764F-9C75-F53758D5A21E}" type="datetime1">
               <a:rPr lang="fr-FR" smtClean="0"/>
               <a:pPr/>
-              <a:t>06/12/2014</a:t>
+              <a:t>12/02/2015</a:t>
             </a:fld>
             <a:endParaRPr lang="fr-FR"/>
           </a:p>
@@ -1952,7 +1887,7 @@
             <a:fld id="{EC050341-9FD1-4D41-897E-C16A13D412D6}" type="datetime1">
               <a:rPr lang="fr-FR" smtClean="0"/>
               <a:pPr/>
-              <a:t>06/12/2014</a:t>
+              <a:t>12/02/2015</a:t>
             </a:fld>
             <a:endParaRPr lang="fr-FR"/>
           </a:p>
@@ -2213,7 +2148,7 @@
             <a:fld id="{267F1CD6-E1AD-4847-B8D2-9BC7541D26A9}" type="datetime1">
               <a:rPr lang="fr-FR" smtClean="0"/>
               <a:pPr/>
-              <a:t>06/12/2014</a:t>
+              <a:t>12/02/2015</a:t>
             </a:fld>
             <a:endParaRPr lang="fr-FR"/>
           </a:p>
@@ -2537,7 +2472,7 @@
             <a:fld id="{377C4889-60B5-CD4F-97E2-5B317AA429BB}" type="datetime1">
               <a:rPr lang="fr-FR" smtClean="0"/>
               <a:pPr/>
-              <a:t>06/12/2014</a:t>
+              <a:t>12/02/2015</a:t>
             </a:fld>
             <a:endParaRPr lang="fr-FR"/>
           </a:p>
@@ -3009,7 +2944,7 @@
             <a:fld id="{0FA1CA9B-4F70-864C-920B-92AD8DFE7583}" type="datetime1">
               <a:rPr lang="fr-FR" smtClean="0"/>
               <a:pPr/>
-              <a:t>06/12/2014</a:t>
+              <a:t>12/02/2015</a:t>
             </a:fld>
             <a:endParaRPr lang="fr-FR"/>
           </a:p>
@@ -3163,7 +3098,7 @@
             <a:fld id="{4F2CC383-4EE0-2241-AEE6-2AAA6580B403}" type="datetime1">
               <a:rPr lang="fr-FR" smtClean="0"/>
               <a:pPr/>
-              <a:t>06/12/2014</a:t>
+              <a:t>12/02/2015</a:t>
             </a:fld>
             <a:endParaRPr lang="fr-FR"/>
           </a:p>
@@ -3259,7 +3194,7 @@
             <a:fld id="{3F29AFFA-2E38-E240-9E76-4B3B98489A6D}" type="datetime1">
               <a:rPr lang="fr-FR" smtClean="0"/>
               <a:pPr/>
-              <a:t>06/12/2014</a:t>
+              <a:t>12/02/2015</a:t>
             </a:fld>
             <a:endParaRPr lang="fr-FR"/>
           </a:p>
@@ -3539,7 +3474,7 @@
             <a:fld id="{BC66C2F2-1133-B742-8E81-ACE648734598}" type="datetime1">
               <a:rPr lang="fr-FR" smtClean="0"/>
               <a:pPr/>
-              <a:t>06/12/2014</a:t>
+              <a:t>12/02/2015</a:t>
             </a:fld>
             <a:endParaRPr lang="fr-FR"/>
           </a:p>
@@ -3850,7 +3785,7 @@
             <a:fld id="{7312FBEE-7E81-E746-8617-1B9234528FDD}" type="datetime1">
               <a:rPr lang="fr-FR" smtClean="0"/>
               <a:pPr/>
-              <a:t>06/12/2014</a:t>
+              <a:t>12/02/2015</a:t>
             </a:fld>
             <a:endParaRPr lang="fr-FR"/>
           </a:p>
@@ -4154,7 +4089,7 @@
             <a:fld id="{B90A4B7D-106F-C147-BCBF-57A394B22041}" type="datetime1">
               <a:rPr lang="fr-FR" smtClean="0"/>
               <a:pPr/>
-              <a:t>06/12/2014</a:t>
+              <a:t>12/02/2015</a:t>
             </a:fld>
             <a:endParaRPr lang="fr-FR"/>
           </a:p>
@@ -4694,10 +4629,10 @@
           <p:nvPr/>
         </p:nvPicPr>
         <p:blipFill>
-          <a:blip r:embed="rId3">
+          <a:blip r:embed="rId5">
             <a:extLst>
               <a:ext uri="{28A0092B-C50C-407E-A947-70E740481C1C}">
-                <a14:useLocalDpi xmlns:a14="http://schemas.microsoft.com/office/drawing/2010/main" xmlns="" val="0"/>
+                <a14:useLocalDpi xmlns:a14="http://schemas.microsoft.com/office/drawing/2010/main" val="0"/>
               </a:ext>
             </a:extLst>
           </a:blip>
@@ -4721,14 +4656,14 @@
           <a:effectLst/>
           <a:extLst>
             <a:ext uri="{909E8E84-426E-40DD-AFC4-6F175D3DCCD1}">
-              <a14:hiddenFill xmlns:a14="http://schemas.microsoft.com/office/drawing/2010/main" xmlns="">
+              <a14:hiddenFill xmlns:a14="http://schemas.microsoft.com/office/drawing/2010/main">
                 <a:solidFill>
                   <a:schemeClr val="accent1"/>
                 </a:solidFill>
               </a14:hiddenFill>
             </a:ext>
             <a:ext uri="{91240B29-F687-4F45-9708-019B960494DF}">
-              <a14:hiddenLine xmlns:a14="http://schemas.microsoft.com/office/drawing/2010/main" xmlns="" w="9525">
+              <a14:hiddenLine xmlns:a14="http://schemas.microsoft.com/office/drawing/2010/main" w="9525">
                 <a:solidFill>
                   <a:schemeClr val="tx1"/>
                 </a:solidFill>
@@ -4738,7 +4673,7 @@
               </a14:hiddenLine>
             </a:ext>
             <a:ext uri="{AF507438-7753-43E0-B8FC-AC1667EBCBE1}">
-              <a14:hiddenEffects xmlns:a14="http://schemas.microsoft.com/office/drawing/2010/main" xmlns="">
+              <a14:hiddenEffects xmlns:a14="http://schemas.microsoft.com/office/drawing/2010/main">
                 <a:effectLst>
                   <a:outerShdw dist="35921" dir="2700000" algn="ctr" rotWithShape="0">
                     <a:schemeClr val="bg2"/>
@@ -4758,10 +4693,10 @@
           <p:nvPr/>
         </p:nvPicPr>
         <p:blipFill>
-          <a:blip r:embed="rId4">
+          <a:blip r:embed="rId6">
             <a:extLst>
               <a:ext uri="{28A0092B-C50C-407E-A947-70E740481C1C}">
-                <a14:useLocalDpi xmlns:a14="http://schemas.microsoft.com/office/drawing/2010/main" xmlns="" val="0"/>
+                <a14:useLocalDpi xmlns:a14="http://schemas.microsoft.com/office/drawing/2010/main" val="0"/>
               </a:ext>
             </a:extLst>
           </a:blip>
@@ -4785,14 +4720,14 @@
           <a:effectLst/>
           <a:extLst>
             <a:ext uri="{909E8E84-426E-40DD-AFC4-6F175D3DCCD1}">
-              <a14:hiddenFill xmlns:a14="http://schemas.microsoft.com/office/drawing/2010/main" xmlns="">
+              <a14:hiddenFill xmlns:a14="http://schemas.microsoft.com/office/drawing/2010/main">
                 <a:solidFill>
                   <a:schemeClr val="accent1"/>
                 </a:solidFill>
               </a14:hiddenFill>
             </a:ext>
             <a:ext uri="{91240B29-F687-4F45-9708-019B960494DF}">
-              <a14:hiddenLine xmlns:a14="http://schemas.microsoft.com/office/drawing/2010/main" xmlns="" w="9525">
+              <a14:hiddenLine xmlns:a14="http://schemas.microsoft.com/office/drawing/2010/main" w="9525">
                 <a:solidFill>
                   <a:schemeClr val="tx1"/>
                 </a:solidFill>
@@ -4802,7 +4737,7 @@
               </a14:hiddenLine>
             </a:ext>
             <a:ext uri="{AF507438-7753-43E0-B8FC-AC1667EBCBE1}">
-              <a14:hiddenEffects xmlns:a14="http://schemas.microsoft.com/office/drawing/2010/main" xmlns="">
+              <a14:hiddenEffects xmlns:a14="http://schemas.microsoft.com/office/drawing/2010/main">
                 <a:effectLst>
                   <a:outerShdw dist="35921" dir="2700000" algn="ctr" rotWithShape="0">
                     <a:schemeClr val="bg2"/>
@@ -4813,28 +4748,146 @@
           </a:extLst>
         </p:spPr>
       </p:pic>
+      <p:pic>
+        <p:nvPicPr>
+          <p:cNvPr id="22" name="~PP4017.WAV">
+            <a:hlinkClick r:id="" action="ppaction://media"/>
+          </p:cNvPr>
+          <p:cNvPicPr>
+            <a:picLocks noChangeAspect="1"/>
+          </p:cNvPicPr>
+          <p:nvPr>
+            <a:audioFile r:link="rId2"/>
+            <p:extLst>
+              <p:ext uri="{DAA4B4D4-6D71-4841-9C94-3DE7FCFB9230}">
+                <p14:media xmlns:p14="http://schemas.microsoft.com/office/powerpoint/2010/main" r:embed="rId1"/>
+              </p:ext>
+            </p:extLst>
+          </p:nvPr>
+        </p:nvPicPr>
+        <p:blipFill>
+          <a:blip r:embed="rId7"/>
+          <a:stretch>
+            <a:fillRect/>
+          </a:stretch>
+        </p:blipFill>
+        <p:spPr>
+          <a:xfrm>
+            <a:off x="8653463" y="6367463"/>
+            <a:ext cx="304800" cy="304800"/>
+          </a:xfrm>
+          <a:prstGeom prst="rect">
+            <a:avLst/>
+          </a:prstGeom>
+        </p:spPr>
+      </p:pic>
     </p:spTree>
     <p:extLst>
       <p:ext uri="{BB962C8B-B14F-4D97-AF65-F5344CB8AC3E}">
-        <p14:creationId xmlns:p14="http://schemas.microsoft.com/office/powerpoint/2010/main" xmlns="" val="3037635492"/>
+        <p14:creationId xmlns:p14="http://schemas.microsoft.com/office/powerpoint/2010/main" val="3037635492"/>
       </p:ext>
     </p:extLst>
   </p:cSld>
   <p:clrMapOvr>
     <a:masterClrMapping/>
   </p:clrMapOvr>
-  <mc:AlternateContent xmlns:mc="http://schemas.openxmlformats.org/markup-compatibility/2006">
-    <mc:Choice xmlns:p14="http://schemas.microsoft.com/office/powerpoint/2010/main" xmlns="" Requires="p14">
+  <mc:AlternateContent xmlns:mc="http://schemas.openxmlformats.org/markup-compatibility/2006" xmlns:p14="http://schemas.microsoft.com/office/powerpoint/2010/main">
+    <mc:Choice Requires="p14">
       <p:transition spd="slow" p14:dur="2000"/>
     </mc:Choice>
-    <mc:Fallback>
+    <mc:Fallback xmlns="">
       <p:transition spd="slow"/>
     </mc:Fallback>
   </mc:AlternateContent>
   <p:timing>
     <p:tnLst>
       <p:par>
-        <p:cTn id="1" dur="indefinite" restart="never" nodeType="tmRoot"/>
+        <p:cTn id="1" dur="indefinite" restart="never" nodeType="tmRoot">
+          <p:childTnLst>
+            <p:seq concurrent="1" nextAc="seek">
+              <p:cTn id="2" dur="indefinite" nodeType="mainSeq">
+                <p:childTnLst>
+                  <p:par>
+                    <p:cTn id="3" fill="hold">
+                      <p:stCondLst>
+                        <p:cond delay="indefinite"/>
+                        <p:cond evt="onBegin" delay="0">
+                          <p:tn val="2"/>
+                        </p:cond>
+                      </p:stCondLst>
+                      <p:childTnLst>
+                        <p:par>
+                          <p:cTn id="4" fill="hold">
+                            <p:stCondLst>
+                              <p:cond delay="0"/>
+                            </p:stCondLst>
+                            <p:childTnLst>
+                              <p:par>
+                                <p:cTn id="5" presetID="1" presetClass="mediacall" presetSubtype="0" fill="hold" nodeType="afterEffect">
+                                  <p:stCondLst>
+                                    <p:cond delay="0"/>
+                                  </p:stCondLst>
+                                  <p:childTnLst>
+                                    <p:cmd type="call" cmd="playFrom(0.0)">
+                                      <p:cBhvr>
+                                        <p:cTn id="6" dur="1" fill="hold"/>
+                                        <p:tgtEl>
+                                          <p:spTgt spid="22"/>
+                                        </p:tgtEl>
+                                      </p:cBhvr>
+                                    </p:cmd>
+                                  </p:childTnLst>
+                                </p:cTn>
+                              </p:par>
+                            </p:childTnLst>
+                          </p:cTn>
+                        </p:par>
+                      </p:childTnLst>
+                    </p:cTn>
+                  </p:par>
+                </p:childTnLst>
+              </p:cTn>
+              <p:prevCondLst>
+                <p:cond evt="onPrev" delay="0">
+                  <p:tgtEl>
+                    <p:sldTgt/>
+                  </p:tgtEl>
+                </p:cond>
+              </p:prevCondLst>
+              <p:nextCondLst>
+                <p:cond evt="onNext" delay="0">
+                  <p:tgtEl>
+                    <p:sldTgt/>
+                  </p:tgtEl>
+                </p:cond>
+              </p:nextCondLst>
+            </p:seq>
+            <p:audio>
+              <p:cMediaNode showWhenStopped="0">
+                <p:cTn id="7" fill="hold" display="0">
+                  <p:stCondLst>
+                    <p:cond delay="indefinite"/>
+                  </p:stCondLst>
+                  <p:endCondLst>
+                    <p:cond evt="onPrev" delay="0">
+                      <p:tgtEl>
+                        <p:sldTgt/>
+                      </p:tgtEl>
+                    </p:cond>
+                    <p:cond evt="onStopAudio" delay="0">
+                      <p:tgtEl>
+                        <p:sldTgt/>
+                      </p:tgtEl>
+                    </p:cond>
+                  </p:endCondLst>
+                </p:cTn>
+                <p:tgtEl>
+                  <p:spTgt spid="22"/>
+                </p:tgtEl>
+              </p:cMediaNode>
+            </p:audio>
+          </p:childTnLst>
+        </p:cTn>
       </p:par>
     </p:tnLst>
   </p:timing>
@@ -4958,11 +5011,7 @@
           <a:p>
             <a:r>
               <a:rPr lang="fr-FR" dirty="0" smtClean="0"/>
-              <a:t>Implémentation des algorithmes dans un </a:t>
-            </a:r>
-            <a:r>
-              <a:rPr lang="fr-FR" dirty="0" smtClean="0"/>
-              <a:t>langage </a:t>
+              <a:t>Implémentation des algorithmes dans un langage </a:t>
             </a:r>
             <a:endParaRPr lang="fr-FR" dirty="0"/>
           </a:p>
@@ -5013,15 +5062,7 @@
           <a:p>
             <a:r>
               <a:rPr lang="fr-FR" dirty="0" smtClean="0"/>
-              <a:t>Structures </a:t>
-            </a:r>
-            <a:r>
-              <a:rPr lang="fr-FR" dirty="0" smtClean="0"/>
-              <a:t>conditionnelles, itératives </a:t>
-            </a:r>
-            <a:r>
-              <a:rPr lang="fr-FR" dirty="0" smtClean="0"/>
-              <a:t>et récursives</a:t>
+              <a:t>Structures conditionnelles, itératives et récursives</a:t>
             </a:r>
           </a:p>
         </p:txBody>
@@ -5059,19 +5100,7 @@
               <a:rPr lang="fr-FR" sz="2000" dirty="0" smtClean="0">
                 <a:latin typeface="Calibri" panose="020F0502020204030204" pitchFamily="34" charset="0"/>
               </a:rPr>
-              <a:t>Les exemples s’appuieront sur des exemples concrets </a:t>
-            </a:r>
-            <a:r>
-              <a:rPr lang="fr-FR" sz="2000" dirty="0" smtClean="0">
-                <a:latin typeface="Calibri" panose="020F0502020204030204" pitchFamily="34" charset="0"/>
-              </a:rPr>
-              <a:t>pouvant </a:t>
-            </a:r>
-            <a:r>
-              <a:rPr lang="fr-FR" sz="2000" dirty="0" smtClean="0">
-                <a:latin typeface="Calibri" panose="020F0502020204030204" pitchFamily="34" charset="0"/>
-              </a:rPr>
-              <a:t>s’appuyer sur :</a:t>
+              <a:t>Les exemples s’appuieront sur des exemples concrets pouvant s’appuyer sur :</a:t>
             </a:r>
           </a:p>
           <a:p>
@@ -5089,23 +5118,8 @@
                 </a:solidFill>
                 <a:latin typeface="Calibri" panose="020F0502020204030204" pitchFamily="34" charset="0"/>
               </a:rPr>
-              <a:t> les </a:t>
-            </a:r>
-            <a:r>
-              <a:rPr lang="fr-FR" b="1" dirty="0" smtClean="0">
-                <a:solidFill>
-                  <a:schemeClr val="tx2"/>
-                </a:solidFill>
-                <a:latin typeface="Calibri" panose="020F0502020204030204" pitchFamily="34" charset="0"/>
-              </a:rPr>
-              <a:t>mathématiques ;</a:t>
-            </a:r>
-            <a:endParaRPr lang="fr-FR" b="1" dirty="0" smtClean="0">
-              <a:solidFill>
-                <a:schemeClr val="tx2"/>
-              </a:solidFill>
-              <a:latin typeface="Calibri" panose="020F0502020204030204" pitchFamily="34" charset="0"/>
-            </a:endParaRPr>
+              <a:t> les mathématiques ;</a:t>
+            </a:r>
           </a:p>
           <a:p>
             <a:pPr lvl="2">
@@ -5131,23 +5145,8 @@
                 </a:solidFill>
                 <a:latin typeface="Calibri" panose="020F0502020204030204" pitchFamily="34" charset="0"/>
               </a:rPr>
-              <a:t>les sciences de l’ingénieur ou les sciences </a:t>
-            </a:r>
-            <a:r>
-              <a:rPr lang="fr-FR" b="1" dirty="0" smtClean="0">
-                <a:solidFill>
-                  <a:schemeClr val="tx2"/>
-                </a:solidFill>
-                <a:latin typeface="Calibri" panose="020F0502020204030204" pitchFamily="34" charset="0"/>
-              </a:rPr>
-              <a:t>physiques ;</a:t>
-            </a:r>
-            <a:endParaRPr lang="fr-FR" b="1" dirty="0" smtClean="0">
-              <a:solidFill>
-                <a:schemeClr val="tx2"/>
-              </a:solidFill>
-              <a:latin typeface="Calibri" panose="020F0502020204030204" pitchFamily="34" charset="0"/>
-            </a:endParaRPr>
+              <a:t>les sciences de l’ingénieur ou les sciences physiques ;</a:t>
+            </a:r>
           </a:p>
           <a:p>
             <a:pPr lvl="2">
@@ -5173,23 +5172,8 @@
                 </a:solidFill>
                 <a:latin typeface="Calibri" panose="020F0502020204030204" pitchFamily="34" charset="0"/>
               </a:rPr>
-              <a:t>les Sciences de la Vie et de la </a:t>
-            </a:r>
-            <a:r>
-              <a:rPr lang="fr-FR" b="1" dirty="0" smtClean="0">
-                <a:solidFill>
-                  <a:schemeClr val="tx2"/>
-                </a:solidFill>
-                <a:latin typeface="Calibri" panose="020F0502020204030204" pitchFamily="34" charset="0"/>
-              </a:rPr>
-              <a:t>Terre ;</a:t>
-            </a:r>
-            <a:endParaRPr lang="fr-FR" b="1" dirty="0" smtClean="0">
-              <a:solidFill>
-                <a:schemeClr val="tx2"/>
-              </a:solidFill>
-              <a:latin typeface="Calibri" panose="020F0502020204030204" pitchFamily="34" charset="0"/>
-            </a:endParaRPr>
+              <a:t>les Sciences de la Vie et de la Terre ;</a:t>
+            </a:r>
           </a:p>
           <a:p>
             <a:pPr lvl="2">
@@ -5215,23 +5199,8 @@
                 </a:solidFill>
                 <a:latin typeface="Calibri" panose="020F0502020204030204" pitchFamily="34" charset="0"/>
               </a:rPr>
-              <a:t>l’informatique (tri, chiffrage déchiffrage, arbres </a:t>
-            </a:r>
-            <a:r>
-              <a:rPr lang="fr-FR" b="1" dirty="0" smtClean="0">
-                <a:solidFill>
-                  <a:schemeClr val="tx2"/>
-                </a:solidFill>
-                <a:latin typeface="Calibri" panose="020F0502020204030204" pitchFamily="34" charset="0"/>
-              </a:rPr>
-              <a:t>…) ;</a:t>
-            </a:r>
-            <a:endParaRPr lang="fr-FR" b="1" dirty="0" smtClean="0">
-              <a:solidFill>
-                <a:schemeClr val="tx2"/>
-              </a:solidFill>
-              <a:latin typeface="Calibri" panose="020F0502020204030204" pitchFamily="34" charset="0"/>
-            </a:endParaRPr>
+              <a:t>l’informatique (tri, chiffrage déchiffrage, arbres …) ;</a:t>
+            </a:r>
           </a:p>
           <a:p>
             <a:pPr lvl="2">
@@ -5275,23 +5244,8 @@
                 </a:solidFill>
                 <a:latin typeface="Calibri" panose="020F0502020204030204" pitchFamily="34" charset="0"/>
               </a:rPr>
-              <a:t>0, équations </a:t>
-            </a:r>
-            <a:r>
-              <a:rPr lang="fr-FR" b="1" dirty="0" smtClean="0">
-                <a:solidFill>
-                  <a:schemeClr val="tx2"/>
-                </a:solidFill>
-                <a:latin typeface="Calibri" panose="020F0502020204030204" pitchFamily="34" charset="0"/>
-              </a:rPr>
-              <a:t>différentielles, calcul intégral) ;</a:t>
-            </a:r>
-            <a:endParaRPr lang="fr-FR" b="1" dirty="0" smtClean="0">
-              <a:solidFill>
-                <a:schemeClr val="tx2"/>
-              </a:solidFill>
-              <a:latin typeface="Calibri" panose="020F0502020204030204" pitchFamily="34" charset="0"/>
-            </a:endParaRPr>
+              <a:t>0, équations différentielles, calcul intégral) ;</a:t>
+            </a:r>
           </a:p>
           <a:p>
             <a:pPr lvl="2">
@@ -5373,10 +5327,10 @@
           <p:nvPr/>
         </p:nvPicPr>
         <p:blipFill>
-          <a:blip r:embed="rId3">
+          <a:blip r:embed="rId5">
             <a:extLst>
               <a:ext uri="{28A0092B-C50C-407E-A947-70E740481C1C}">
-                <a14:useLocalDpi xmlns:a14="http://schemas.microsoft.com/office/drawing/2010/main" xmlns="" val="0"/>
+                <a14:useLocalDpi xmlns:a14="http://schemas.microsoft.com/office/drawing/2010/main" val="0"/>
               </a:ext>
             </a:extLst>
           </a:blip>
@@ -5400,14 +5354,14 @@
           <a:effectLst/>
           <a:extLst>
             <a:ext uri="{909E8E84-426E-40DD-AFC4-6F175D3DCCD1}">
-              <a14:hiddenFill xmlns:a14="http://schemas.microsoft.com/office/drawing/2010/main" xmlns="">
+              <a14:hiddenFill xmlns:a14="http://schemas.microsoft.com/office/drawing/2010/main">
                 <a:solidFill>
                   <a:schemeClr val="accent1"/>
                 </a:solidFill>
               </a14:hiddenFill>
             </a:ext>
             <a:ext uri="{91240B29-F687-4F45-9708-019B960494DF}">
-              <a14:hiddenLine xmlns:a14="http://schemas.microsoft.com/office/drawing/2010/main" xmlns="" w="9525">
+              <a14:hiddenLine xmlns:a14="http://schemas.microsoft.com/office/drawing/2010/main" w="9525">
                 <a:solidFill>
                   <a:schemeClr val="tx1"/>
                 </a:solidFill>
@@ -5417,7 +5371,7 @@
               </a14:hiddenLine>
             </a:ext>
             <a:ext uri="{AF507438-7753-43E0-B8FC-AC1667EBCBE1}">
-              <a14:hiddenEffects xmlns:a14="http://schemas.microsoft.com/office/drawing/2010/main" xmlns="">
+              <a14:hiddenEffects xmlns:a14="http://schemas.microsoft.com/office/drawing/2010/main">
                 <a:effectLst>
                   <a:outerShdw dist="35921" dir="2700000" algn="ctr" rotWithShape="0">
                     <a:schemeClr val="bg2"/>
@@ -5437,10 +5391,10 @@
           <p:nvPr/>
         </p:nvPicPr>
         <p:blipFill>
-          <a:blip r:embed="rId4">
+          <a:blip r:embed="rId6">
             <a:extLst>
               <a:ext uri="{28A0092B-C50C-407E-A947-70E740481C1C}">
-                <a14:useLocalDpi xmlns:a14="http://schemas.microsoft.com/office/drawing/2010/main" xmlns="" val="0"/>
+                <a14:useLocalDpi xmlns:a14="http://schemas.microsoft.com/office/drawing/2010/main" val="0"/>
               </a:ext>
             </a:extLst>
           </a:blip>
@@ -5464,14 +5418,14 @@
           <a:effectLst/>
           <a:extLst>
             <a:ext uri="{909E8E84-426E-40DD-AFC4-6F175D3DCCD1}">
-              <a14:hiddenFill xmlns:a14="http://schemas.microsoft.com/office/drawing/2010/main" xmlns="">
+              <a14:hiddenFill xmlns:a14="http://schemas.microsoft.com/office/drawing/2010/main">
                 <a:solidFill>
                   <a:schemeClr val="accent1"/>
                 </a:solidFill>
               </a14:hiddenFill>
             </a:ext>
             <a:ext uri="{91240B29-F687-4F45-9708-019B960494DF}">
-              <a14:hiddenLine xmlns:a14="http://schemas.microsoft.com/office/drawing/2010/main" xmlns="" w="9525">
+              <a14:hiddenLine xmlns:a14="http://schemas.microsoft.com/office/drawing/2010/main" w="9525">
                 <a:solidFill>
                   <a:schemeClr val="tx1"/>
                 </a:solidFill>
@@ -5481,7 +5435,7 @@
               </a14:hiddenLine>
             </a:ext>
             <a:ext uri="{AF507438-7753-43E0-B8FC-AC1667EBCBE1}">
-              <a14:hiddenEffects xmlns:a14="http://schemas.microsoft.com/office/drawing/2010/main" xmlns="">
+              <a14:hiddenEffects xmlns:a14="http://schemas.microsoft.com/office/drawing/2010/main">
                 <a:effectLst>
                   <a:outerShdw dist="35921" dir="2700000" algn="ctr" rotWithShape="0">
                     <a:schemeClr val="bg2"/>
@@ -5492,16 +5446,141 @@
           </a:extLst>
         </p:spPr>
       </p:pic>
+      <p:pic>
+        <p:nvPicPr>
+          <p:cNvPr id="25" name="~PP450.WAV">
+            <a:hlinkClick r:id="" action="ppaction://media"/>
+          </p:cNvPr>
+          <p:cNvPicPr>
+            <a:picLocks noChangeAspect="1"/>
+          </p:cNvPicPr>
+          <p:nvPr>
+            <a:audioFile r:link="rId2"/>
+            <p:extLst>
+              <p:ext uri="{DAA4B4D4-6D71-4841-9C94-3DE7FCFB9230}">
+                <p14:media xmlns:p14="http://schemas.microsoft.com/office/powerpoint/2010/main" r:embed="rId1"/>
+              </p:ext>
+            </p:extLst>
+          </p:nvPr>
+        </p:nvPicPr>
+        <p:blipFill>
+          <a:blip r:embed="rId7"/>
+          <a:stretch>
+            <a:fillRect/>
+          </a:stretch>
+        </p:blipFill>
+        <p:spPr>
+          <a:xfrm>
+            <a:off x="8653463" y="6367463"/>
+            <a:ext cx="304800" cy="304800"/>
+          </a:xfrm>
+          <a:prstGeom prst="rect">
+            <a:avLst/>
+          </a:prstGeom>
+        </p:spPr>
+      </p:pic>
     </p:spTree>
     <p:extLst>
       <p:ext uri="{BB962C8B-B14F-4D97-AF65-F5344CB8AC3E}">
-        <p14:creationId xmlns:p14="http://schemas.microsoft.com/office/powerpoint/2010/main" xmlns="" val="2718835750"/>
+        <p14:creationId xmlns:p14="http://schemas.microsoft.com/office/powerpoint/2010/main" val="2718835750"/>
       </p:ext>
     </p:extLst>
   </p:cSld>
   <p:clrMapOvr>
     <a:masterClrMapping/>
   </p:clrMapOvr>
+  <p:timing>
+    <p:tnLst>
+      <p:par>
+        <p:cTn id="1" dur="indefinite" restart="never" nodeType="tmRoot">
+          <p:childTnLst>
+            <p:seq concurrent="1" nextAc="seek">
+              <p:cTn id="2" dur="indefinite" nodeType="mainSeq">
+                <p:childTnLst>
+                  <p:par>
+                    <p:cTn id="3" fill="hold">
+                      <p:stCondLst>
+                        <p:cond delay="indefinite"/>
+                        <p:cond evt="onBegin" delay="0">
+                          <p:tn val="2"/>
+                        </p:cond>
+                      </p:stCondLst>
+                      <p:childTnLst>
+                        <p:par>
+                          <p:cTn id="4" fill="hold">
+                            <p:stCondLst>
+                              <p:cond delay="0"/>
+                            </p:stCondLst>
+                            <p:childTnLst>
+                              <p:par>
+                                <p:cTn id="5" presetID="1" presetClass="mediacall" presetSubtype="0" fill="hold" nodeType="afterEffect">
+                                  <p:stCondLst>
+                                    <p:cond delay="0"/>
+                                  </p:stCondLst>
+                                  <p:childTnLst>
+                                    <p:cmd type="call" cmd="playFrom(0.0)">
+                                      <p:cBhvr>
+                                        <p:cTn id="6" dur="1" fill="hold"/>
+                                        <p:tgtEl>
+                                          <p:spTgt spid="25"/>
+                                        </p:tgtEl>
+                                      </p:cBhvr>
+                                    </p:cmd>
+                                  </p:childTnLst>
+                                </p:cTn>
+                              </p:par>
+                            </p:childTnLst>
+                          </p:cTn>
+                        </p:par>
+                      </p:childTnLst>
+                    </p:cTn>
+                  </p:par>
+                </p:childTnLst>
+              </p:cTn>
+              <p:prevCondLst>
+                <p:cond evt="onPrev" delay="0">
+                  <p:tgtEl>
+                    <p:sldTgt/>
+                  </p:tgtEl>
+                </p:cond>
+              </p:prevCondLst>
+              <p:nextCondLst>
+                <p:cond evt="onNext" delay="0">
+                  <p:tgtEl>
+                    <p:sldTgt/>
+                  </p:tgtEl>
+                </p:cond>
+              </p:nextCondLst>
+            </p:seq>
+            <p:audio>
+              <p:cMediaNode showWhenStopped="0">
+                <p:cTn id="7" fill="hold" display="0">
+                  <p:stCondLst>
+                    <p:cond delay="indefinite"/>
+                  </p:stCondLst>
+                  <p:endCondLst>
+                    <p:cond evt="onPrev" delay="0">
+                      <p:tgtEl>
+                        <p:sldTgt/>
+                      </p:tgtEl>
+                    </p:cond>
+                    <p:cond evt="onStopAudio" delay="0">
+                      <p:tgtEl>
+                        <p:sldTgt/>
+                      </p:tgtEl>
+                    </p:cond>
+                  </p:endCondLst>
+                </p:cTn>
+                <p:tgtEl>
+                  <p:spTgt spid="25"/>
+                </p:tgtEl>
+              </p:cMediaNode>
+            </p:audio>
+          </p:childTnLst>
+        </p:cTn>
+      </p:par>
+    </p:tnLst>
+  </p:timing>
 </p:sld>
 </file>
 
@@ -5869,7 +5948,7 @@
           <p:nvPr/>
         </p:nvPicPr>
         <p:blipFill>
-          <a:blip r:embed="rId3"/>
+          <a:blip r:embed="rId5"/>
           <a:srcRect/>
           <a:stretch>
             <a:fillRect/>
@@ -5892,28 +5971,146 @@
           </a:ln>
         </p:spPr>
       </p:pic>
+      <p:pic>
+        <p:nvPicPr>
+          <p:cNvPr id="24" name="~PP2060.WAV">
+            <a:hlinkClick r:id="" action="ppaction://media"/>
+          </p:cNvPr>
+          <p:cNvPicPr>
+            <a:picLocks noChangeAspect="1"/>
+          </p:cNvPicPr>
+          <p:nvPr>
+            <a:audioFile r:link="rId2"/>
+            <p:extLst>
+              <p:ext uri="{DAA4B4D4-6D71-4841-9C94-3DE7FCFB9230}">
+                <p14:media xmlns:p14="http://schemas.microsoft.com/office/powerpoint/2010/main" r:embed="rId1"/>
+              </p:ext>
+            </p:extLst>
+          </p:nvPr>
+        </p:nvPicPr>
+        <p:blipFill>
+          <a:blip r:embed="rId6"/>
+          <a:stretch>
+            <a:fillRect/>
+          </a:stretch>
+        </p:blipFill>
+        <p:spPr>
+          <a:xfrm>
+            <a:off x="8653463" y="6367463"/>
+            <a:ext cx="304800" cy="304800"/>
+          </a:xfrm>
+          <a:prstGeom prst="rect">
+            <a:avLst/>
+          </a:prstGeom>
+        </p:spPr>
+      </p:pic>
     </p:spTree>
     <p:extLst>
       <p:ext uri="{BB962C8B-B14F-4D97-AF65-F5344CB8AC3E}">
-        <p14:creationId xmlns:p14="http://schemas.microsoft.com/office/powerpoint/2010/main" xmlns="" val="479222456"/>
+        <p14:creationId xmlns:p14="http://schemas.microsoft.com/office/powerpoint/2010/main" val="479222456"/>
       </p:ext>
     </p:extLst>
   </p:cSld>
   <p:clrMapOvr>
     <a:masterClrMapping/>
   </p:clrMapOvr>
-  <mc:AlternateContent xmlns:mc="http://schemas.openxmlformats.org/markup-compatibility/2006">
-    <mc:Choice xmlns:p14="http://schemas.microsoft.com/office/powerpoint/2010/main" xmlns="" Requires="p14">
+  <mc:AlternateContent xmlns:mc="http://schemas.openxmlformats.org/markup-compatibility/2006" xmlns:p14="http://schemas.microsoft.com/office/powerpoint/2010/main">
+    <mc:Choice Requires="p14">
       <p:transition spd="slow" p14:dur="2000"/>
     </mc:Choice>
-    <mc:Fallback>
+    <mc:Fallback xmlns="">
       <p:transition spd="slow"/>
     </mc:Fallback>
   </mc:AlternateContent>
   <p:timing>
     <p:tnLst>
       <p:par>
-        <p:cTn id="1" dur="indefinite" restart="never" nodeType="tmRoot"/>
+        <p:cTn id="1" dur="indefinite" restart="never" nodeType="tmRoot">
+          <p:childTnLst>
+            <p:seq concurrent="1" nextAc="seek">
+              <p:cTn id="2" dur="indefinite" nodeType="mainSeq">
+                <p:childTnLst>
+                  <p:par>
+                    <p:cTn id="3" fill="hold">
+                      <p:stCondLst>
+                        <p:cond delay="indefinite"/>
+                        <p:cond evt="onBegin" delay="0">
+                          <p:tn val="2"/>
+                        </p:cond>
+                      </p:stCondLst>
+                      <p:childTnLst>
+                        <p:par>
+                          <p:cTn id="4" fill="hold">
+                            <p:stCondLst>
+                              <p:cond delay="0"/>
+                            </p:stCondLst>
+                            <p:childTnLst>
+                              <p:par>
+                                <p:cTn id="5" presetID="1" presetClass="mediacall" presetSubtype="0" fill="hold" nodeType="afterEffect">
+                                  <p:stCondLst>
+                                    <p:cond delay="0"/>
+                                  </p:stCondLst>
+                                  <p:childTnLst>
+                                    <p:cmd type="call" cmd="playFrom(0.0)">
+                                      <p:cBhvr>
+                                        <p:cTn id="6" dur="1" fill="hold"/>
+                                        <p:tgtEl>
+                                          <p:spTgt spid="24"/>
+                                        </p:tgtEl>
+                                      </p:cBhvr>
+                                    </p:cmd>
+                                  </p:childTnLst>
+                                </p:cTn>
+                              </p:par>
+                            </p:childTnLst>
+                          </p:cTn>
+                        </p:par>
+                      </p:childTnLst>
+                    </p:cTn>
+                  </p:par>
+                </p:childTnLst>
+              </p:cTn>
+              <p:prevCondLst>
+                <p:cond evt="onPrev" delay="0">
+                  <p:tgtEl>
+                    <p:sldTgt/>
+                  </p:tgtEl>
+                </p:cond>
+              </p:prevCondLst>
+              <p:nextCondLst>
+                <p:cond evt="onNext" delay="0">
+                  <p:tgtEl>
+                    <p:sldTgt/>
+                  </p:tgtEl>
+                </p:cond>
+              </p:nextCondLst>
+            </p:seq>
+            <p:audio>
+              <p:cMediaNode showWhenStopped="0">
+                <p:cTn id="7" fill="hold" display="0">
+                  <p:stCondLst>
+                    <p:cond delay="indefinite"/>
+                  </p:stCondLst>
+                  <p:endCondLst>
+                    <p:cond evt="onPrev" delay="0">
+                      <p:tgtEl>
+                        <p:sldTgt/>
+                      </p:tgtEl>
+                    </p:cond>
+                    <p:cond evt="onStopAudio" delay="0">
+                      <p:tgtEl>
+                        <p:sldTgt/>
+                      </p:tgtEl>
+                    </p:cond>
+                  </p:endCondLst>
+                </p:cTn>
+                <p:tgtEl>
+                  <p:spTgt spid="24"/>
+                </p:tgtEl>
+              </p:cMediaNode>
+            </p:audio>
+          </p:childTnLst>
+        </p:cTn>
       </p:par>
     </p:tnLst>
   </p:timing>
@@ -6002,23 +6199,7 @@
             <a:pPr lvl="1"/>
             <a:r>
               <a:rPr lang="fr-FR" dirty="0" smtClean="0"/>
-              <a:t>Dans le cas où le participant voudrait </a:t>
-            </a:r>
-            <a:r>
-              <a:rPr lang="fr-FR" dirty="0" smtClean="0"/>
-              <a:t>utiliser </a:t>
-            </a:r>
-            <a:r>
-              <a:rPr lang="fr-FR" dirty="0" smtClean="0"/>
-              <a:t>son ordinateur </a:t>
-            </a:r>
-            <a:r>
-              <a:rPr lang="fr-FR" dirty="0" smtClean="0"/>
-              <a:t>personnel, </a:t>
-            </a:r>
-            <a:r>
-              <a:rPr lang="fr-FR" dirty="0" smtClean="0"/>
-              <a:t>sont nécessaires :</a:t>
+              <a:t>Dans le cas où le participant voudrait utiliser son ordinateur personnel, sont nécessaires :</a:t>
             </a:r>
           </a:p>
           <a:p>
@@ -6068,7 +6249,7 @@
             </a:r>
             <a:r>
               <a:rPr lang="fr-FR" dirty="0">
-                <a:hlinkClick r:id="rId3"/>
+                <a:hlinkClick r:id="rId5"/>
               </a:rPr>
               <a:t>patrick.beynet@libertysurf.fr</a:t>
             </a:r>
@@ -6082,7 +6263,7 @@
             </a:r>
             <a:r>
               <a:rPr lang="fr-FR" dirty="0">
-                <a:hlinkClick r:id="rId4"/>
+                <a:hlinkClick r:id="rId6"/>
               </a:rPr>
               <a:t>xavier.pessoles@free.fr</a:t>
             </a:r>
@@ -6122,16 +6303,141 @@
           </a:p>
         </p:txBody>
       </p:sp>
+      <p:pic>
+        <p:nvPicPr>
+          <p:cNvPr id="18" name="~PP3538.WAV">
+            <a:hlinkClick r:id="" action="ppaction://media"/>
+          </p:cNvPr>
+          <p:cNvPicPr>
+            <a:picLocks noChangeAspect="1"/>
+          </p:cNvPicPr>
+          <p:nvPr>
+            <a:audioFile r:link="rId2"/>
+            <p:extLst>
+              <p:ext uri="{DAA4B4D4-6D71-4841-9C94-3DE7FCFB9230}">
+                <p14:media xmlns:p14="http://schemas.microsoft.com/office/powerpoint/2010/main" r:embed="rId1"/>
+              </p:ext>
+            </p:extLst>
+          </p:nvPr>
+        </p:nvPicPr>
+        <p:blipFill>
+          <a:blip r:embed="rId7"/>
+          <a:stretch>
+            <a:fillRect/>
+          </a:stretch>
+        </p:blipFill>
+        <p:spPr>
+          <a:xfrm>
+            <a:off x="8653463" y="6367463"/>
+            <a:ext cx="304800" cy="304800"/>
+          </a:xfrm>
+          <a:prstGeom prst="rect">
+            <a:avLst/>
+          </a:prstGeom>
+        </p:spPr>
+      </p:pic>
     </p:spTree>
     <p:extLst>
       <p:ext uri="{BB962C8B-B14F-4D97-AF65-F5344CB8AC3E}">
-        <p14:creationId xmlns:p14="http://schemas.microsoft.com/office/powerpoint/2010/main" xmlns="" val="2248875390"/>
+        <p14:creationId xmlns:p14="http://schemas.microsoft.com/office/powerpoint/2010/main" val="2248875390"/>
       </p:ext>
     </p:extLst>
   </p:cSld>
   <p:clrMapOvr>
     <a:masterClrMapping/>
   </p:clrMapOvr>
+  <p:timing>
+    <p:tnLst>
+      <p:par>
+        <p:cTn id="1" dur="indefinite" restart="never" nodeType="tmRoot">
+          <p:childTnLst>
+            <p:seq concurrent="1" nextAc="seek">
+              <p:cTn id="2" dur="indefinite" nodeType="mainSeq">
+                <p:childTnLst>
+                  <p:par>
+                    <p:cTn id="3" fill="hold">
+                      <p:stCondLst>
+                        <p:cond delay="indefinite"/>
+                        <p:cond evt="onBegin" delay="0">
+                          <p:tn val="2"/>
+                        </p:cond>
+                      </p:stCondLst>
+                      <p:childTnLst>
+                        <p:par>
+                          <p:cTn id="4" fill="hold">
+                            <p:stCondLst>
+                              <p:cond delay="0"/>
+                            </p:stCondLst>
+                            <p:childTnLst>
+                              <p:par>
+                                <p:cTn id="5" presetID="1" presetClass="mediacall" presetSubtype="0" fill="hold" nodeType="afterEffect">
+                                  <p:stCondLst>
+                                    <p:cond delay="0"/>
+                                  </p:stCondLst>
+                                  <p:childTnLst>
+                                    <p:cmd type="call" cmd="playFrom(0.0)">
+                                      <p:cBhvr>
+                                        <p:cTn id="6" dur="1" fill="hold"/>
+                                        <p:tgtEl>
+                                          <p:spTgt spid="18"/>
+                                        </p:tgtEl>
+                                      </p:cBhvr>
+                                    </p:cmd>
+                                  </p:childTnLst>
+                                </p:cTn>
+                              </p:par>
+                            </p:childTnLst>
+                          </p:cTn>
+                        </p:par>
+                      </p:childTnLst>
+                    </p:cTn>
+                  </p:par>
+                </p:childTnLst>
+              </p:cTn>
+              <p:prevCondLst>
+                <p:cond evt="onPrev" delay="0">
+                  <p:tgtEl>
+                    <p:sldTgt/>
+                  </p:tgtEl>
+                </p:cond>
+              </p:prevCondLst>
+              <p:nextCondLst>
+                <p:cond evt="onNext" delay="0">
+                  <p:tgtEl>
+                    <p:sldTgt/>
+                  </p:tgtEl>
+                </p:cond>
+              </p:nextCondLst>
+            </p:seq>
+            <p:audio>
+              <p:cMediaNode showWhenStopped="0">
+                <p:cTn id="7" fill="hold" display="0">
+                  <p:stCondLst>
+                    <p:cond delay="indefinite"/>
+                  </p:stCondLst>
+                  <p:endCondLst>
+                    <p:cond evt="onPrev" delay="0">
+                      <p:tgtEl>
+                        <p:sldTgt/>
+                      </p:tgtEl>
+                    </p:cond>
+                    <p:cond evt="onStopAudio" delay="0">
+                      <p:tgtEl>
+                        <p:sldTgt/>
+                      </p:tgtEl>
+                    </p:cond>
+                  </p:endCondLst>
+                </p:cTn>
+                <p:tgtEl>
+                  <p:spTgt spid="18"/>
+                </p:tgtEl>
+              </p:cMediaNode>
+            </p:audio>
+          </p:childTnLst>
+        </p:cTn>
+      </p:par>
+    </p:tnLst>
+  </p:timing>
 </p:sld>
 </file>
 
